--- a/Chapitre_04_Methodologie/Application_04_PFD_CO_ChargementCargo/images/Figures.pptx
+++ b/Chapitre_04_Methodologie/Application_04_PFD_CO_ChargementCargo/images/Figures.pptx
@@ -162,7 +162,7 @@
           <a:lstStyle/>
           <a:p>
             <a:r>
-              <a:rPr lang="fr-FR" smtClean="0"/>
+              <a:rPr lang="fr-FR"/>
               <a:t>Cliquez pour modifier le style du titre</a:t>
             </a:r>
             <a:endParaRPr lang="fr-BE"/>
@@ -281,7 +281,7 @@
           </a:lstStyle>
           <a:p>
             <a:r>
-              <a:rPr lang="fr-FR" smtClean="0"/>
+              <a:rPr lang="fr-FR"/>
               <a:t>Cliquez pour modifier le style des sous-titres du masque</a:t>
             </a:r>
             <a:endParaRPr lang="fr-BE"/>
@@ -394,7 +394,7 @@
           <a:lstStyle/>
           <a:p>
             <a:r>
-              <a:rPr lang="fr-FR" smtClean="0"/>
+              <a:rPr lang="fr-FR"/>
               <a:t>Cliquez pour modifier le style du titre</a:t>
             </a:r>
             <a:endParaRPr lang="fr-BE"/>
@@ -418,35 +418,35 @@
           <a:p>
             <a:pPr lvl="0"/>
             <a:r>
-              <a:rPr lang="fr-FR" smtClean="0"/>
+              <a:rPr lang="fr-FR"/>
               <a:t>Cliquez pour modifier les styles du texte du masque</a:t>
             </a:r>
           </a:p>
           <a:p>
             <a:pPr lvl="1"/>
             <a:r>
-              <a:rPr lang="fr-FR" smtClean="0"/>
+              <a:rPr lang="fr-FR"/>
               <a:t>Deuxième niveau</a:t>
             </a:r>
           </a:p>
           <a:p>
             <a:pPr lvl="2"/>
             <a:r>
-              <a:rPr lang="fr-FR" smtClean="0"/>
+              <a:rPr lang="fr-FR"/>
               <a:t>Troisième niveau</a:t>
             </a:r>
           </a:p>
           <a:p>
             <a:pPr lvl="3"/>
             <a:r>
-              <a:rPr lang="fr-FR" smtClean="0"/>
+              <a:rPr lang="fr-FR"/>
               <a:t>Quatrième niveau</a:t>
             </a:r>
           </a:p>
           <a:p>
             <a:pPr lvl="4"/>
             <a:r>
-              <a:rPr lang="fr-FR" smtClean="0"/>
+              <a:rPr lang="fr-FR"/>
               <a:t>Cinquième niveau</a:t>
             </a:r>
             <a:endParaRPr lang="fr-BE"/>
@@ -564,7 +564,7 @@
           <a:lstStyle/>
           <a:p>
             <a:r>
-              <a:rPr lang="fr-FR" smtClean="0"/>
+              <a:rPr lang="fr-FR"/>
               <a:t>Cliquez pour modifier le style du titre</a:t>
             </a:r>
             <a:endParaRPr lang="fr-BE"/>
@@ -593,35 +593,35 @@
           <a:p>
             <a:pPr lvl="0"/>
             <a:r>
-              <a:rPr lang="fr-FR" smtClean="0"/>
+              <a:rPr lang="fr-FR"/>
               <a:t>Cliquez pour modifier les styles du texte du masque</a:t>
             </a:r>
           </a:p>
           <a:p>
             <a:pPr lvl="1"/>
             <a:r>
-              <a:rPr lang="fr-FR" smtClean="0"/>
+              <a:rPr lang="fr-FR"/>
               <a:t>Deuxième niveau</a:t>
             </a:r>
           </a:p>
           <a:p>
             <a:pPr lvl="2"/>
             <a:r>
-              <a:rPr lang="fr-FR" smtClean="0"/>
+              <a:rPr lang="fr-FR"/>
               <a:t>Troisième niveau</a:t>
             </a:r>
           </a:p>
           <a:p>
             <a:pPr lvl="3"/>
             <a:r>
-              <a:rPr lang="fr-FR" smtClean="0"/>
+              <a:rPr lang="fr-FR"/>
               <a:t>Quatrième niveau</a:t>
             </a:r>
           </a:p>
           <a:p>
             <a:pPr lvl="4"/>
             <a:r>
-              <a:rPr lang="fr-FR" smtClean="0"/>
+              <a:rPr lang="fr-FR"/>
               <a:t>Cinquième niveau</a:t>
             </a:r>
             <a:endParaRPr lang="fr-BE"/>
@@ -734,7 +734,7 @@
           <a:lstStyle/>
           <a:p>
             <a:r>
-              <a:rPr lang="fr-FR" smtClean="0"/>
+              <a:rPr lang="fr-FR"/>
               <a:t>Cliquez pour modifier le style du titre</a:t>
             </a:r>
             <a:endParaRPr lang="fr-BE"/>
@@ -758,35 +758,35 @@
           <a:p>
             <a:pPr lvl="0"/>
             <a:r>
-              <a:rPr lang="fr-FR" smtClean="0"/>
+              <a:rPr lang="fr-FR"/>
               <a:t>Cliquez pour modifier les styles du texte du masque</a:t>
             </a:r>
           </a:p>
           <a:p>
             <a:pPr lvl="1"/>
             <a:r>
-              <a:rPr lang="fr-FR" smtClean="0"/>
+              <a:rPr lang="fr-FR"/>
               <a:t>Deuxième niveau</a:t>
             </a:r>
           </a:p>
           <a:p>
             <a:pPr lvl="2"/>
             <a:r>
-              <a:rPr lang="fr-FR" smtClean="0"/>
+              <a:rPr lang="fr-FR"/>
               <a:t>Troisième niveau</a:t>
             </a:r>
           </a:p>
           <a:p>
             <a:pPr lvl="3"/>
             <a:r>
-              <a:rPr lang="fr-FR" smtClean="0"/>
+              <a:rPr lang="fr-FR"/>
               <a:t>Quatrième niveau</a:t>
             </a:r>
           </a:p>
           <a:p>
             <a:pPr lvl="4"/>
             <a:r>
-              <a:rPr lang="fr-FR" smtClean="0"/>
+              <a:rPr lang="fr-FR"/>
               <a:t>Cinquième niveau</a:t>
             </a:r>
             <a:endParaRPr lang="fr-BE"/>
@@ -908,7 +908,7 @@
           </a:lstStyle>
           <a:p>
             <a:r>
-              <a:rPr lang="fr-FR" smtClean="0"/>
+              <a:rPr lang="fr-FR"/>
               <a:t>Cliquez pour modifier le style du titre</a:t>
             </a:r>
             <a:endParaRPr lang="fr-BE"/>
@@ -1028,7 +1028,7 @@
           <a:p>
             <a:pPr lvl="0"/>
             <a:r>
-              <a:rPr lang="fr-FR" smtClean="0"/>
+              <a:rPr lang="fr-FR"/>
               <a:t>Cliquez pour modifier les styles du texte du masque</a:t>
             </a:r>
           </a:p>
@@ -1140,7 +1140,7 @@
           <a:lstStyle/>
           <a:p>
             <a:r>
-              <a:rPr lang="fr-FR" smtClean="0"/>
+              <a:rPr lang="fr-FR"/>
               <a:t>Cliquez pour modifier le style du titre</a:t>
             </a:r>
             <a:endParaRPr lang="fr-BE"/>
@@ -1197,35 +1197,35 @@
           <a:p>
             <a:pPr lvl="0"/>
             <a:r>
-              <a:rPr lang="fr-FR" smtClean="0"/>
+              <a:rPr lang="fr-FR"/>
               <a:t>Cliquez pour modifier les styles du texte du masque</a:t>
             </a:r>
           </a:p>
           <a:p>
             <a:pPr lvl="1"/>
             <a:r>
-              <a:rPr lang="fr-FR" smtClean="0"/>
+              <a:rPr lang="fr-FR"/>
               <a:t>Deuxième niveau</a:t>
             </a:r>
           </a:p>
           <a:p>
             <a:pPr lvl="2"/>
             <a:r>
-              <a:rPr lang="fr-FR" smtClean="0"/>
+              <a:rPr lang="fr-FR"/>
               <a:t>Troisième niveau</a:t>
             </a:r>
           </a:p>
           <a:p>
             <a:pPr lvl="3"/>
             <a:r>
-              <a:rPr lang="fr-FR" smtClean="0"/>
+              <a:rPr lang="fr-FR"/>
               <a:t>Quatrième niveau</a:t>
             </a:r>
           </a:p>
           <a:p>
             <a:pPr lvl="4"/>
             <a:r>
-              <a:rPr lang="fr-FR" smtClean="0"/>
+              <a:rPr lang="fr-FR"/>
               <a:t>Cinquième niveau</a:t>
             </a:r>
             <a:endParaRPr lang="fr-BE"/>
@@ -1282,35 +1282,35 @@
           <a:p>
             <a:pPr lvl="0"/>
             <a:r>
-              <a:rPr lang="fr-FR" smtClean="0"/>
+              <a:rPr lang="fr-FR"/>
               <a:t>Cliquez pour modifier les styles du texte du masque</a:t>
             </a:r>
           </a:p>
           <a:p>
             <a:pPr lvl="1"/>
             <a:r>
-              <a:rPr lang="fr-FR" smtClean="0"/>
+              <a:rPr lang="fr-FR"/>
               <a:t>Deuxième niveau</a:t>
             </a:r>
           </a:p>
           <a:p>
             <a:pPr lvl="2"/>
             <a:r>
-              <a:rPr lang="fr-FR" smtClean="0"/>
+              <a:rPr lang="fr-FR"/>
               <a:t>Troisième niveau</a:t>
             </a:r>
           </a:p>
           <a:p>
             <a:pPr lvl="3"/>
             <a:r>
-              <a:rPr lang="fr-FR" smtClean="0"/>
+              <a:rPr lang="fr-FR"/>
               <a:t>Quatrième niveau</a:t>
             </a:r>
           </a:p>
           <a:p>
             <a:pPr lvl="4"/>
             <a:r>
-              <a:rPr lang="fr-FR" smtClean="0"/>
+              <a:rPr lang="fr-FR"/>
               <a:t>Cinquième niveau</a:t>
             </a:r>
             <a:endParaRPr lang="fr-BE"/>
@@ -1427,7 +1427,7 @@
           </a:lstStyle>
           <a:p>
             <a:r>
-              <a:rPr lang="fr-FR" smtClean="0"/>
+              <a:rPr lang="fr-FR"/>
               <a:t>Cliquez pour modifier le style du titre</a:t>
             </a:r>
             <a:endParaRPr lang="fr-BE"/>
@@ -1493,7 +1493,7 @@
           <a:p>
             <a:pPr lvl="0"/>
             <a:r>
-              <a:rPr lang="fr-FR" smtClean="0"/>
+              <a:rPr lang="fr-FR"/>
               <a:t>Cliquez pour modifier les styles du texte du masque</a:t>
             </a:r>
           </a:p>
@@ -1549,35 +1549,35 @@
           <a:p>
             <a:pPr lvl="0"/>
             <a:r>
-              <a:rPr lang="fr-FR" smtClean="0"/>
+              <a:rPr lang="fr-FR"/>
               <a:t>Cliquez pour modifier les styles du texte du masque</a:t>
             </a:r>
           </a:p>
           <a:p>
             <a:pPr lvl="1"/>
             <a:r>
-              <a:rPr lang="fr-FR" smtClean="0"/>
+              <a:rPr lang="fr-FR"/>
               <a:t>Deuxième niveau</a:t>
             </a:r>
           </a:p>
           <a:p>
             <a:pPr lvl="2"/>
             <a:r>
-              <a:rPr lang="fr-FR" smtClean="0"/>
+              <a:rPr lang="fr-FR"/>
               <a:t>Troisième niveau</a:t>
             </a:r>
           </a:p>
           <a:p>
             <a:pPr lvl="3"/>
             <a:r>
-              <a:rPr lang="fr-FR" smtClean="0"/>
+              <a:rPr lang="fr-FR"/>
               <a:t>Quatrième niveau</a:t>
             </a:r>
           </a:p>
           <a:p>
             <a:pPr lvl="4"/>
             <a:r>
-              <a:rPr lang="fr-FR" smtClean="0"/>
+              <a:rPr lang="fr-FR"/>
               <a:t>Cinquième niveau</a:t>
             </a:r>
             <a:endParaRPr lang="fr-BE"/>
@@ -1643,7 +1643,7 @@
           <a:p>
             <a:pPr lvl="0"/>
             <a:r>
-              <a:rPr lang="fr-FR" smtClean="0"/>
+              <a:rPr lang="fr-FR"/>
               <a:t>Cliquez pour modifier les styles du texte du masque</a:t>
             </a:r>
           </a:p>
@@ -1699,35 +1699,35 @@
           <a:p>
             <a:pPr lvl="0"/>
             <a:r>
-              <a:rPr lang="fr-FR" smtClean="0"/>
+              <a:rPr lang="fr-FR"/>
               <a:t>Cliquez pour modifier les styles du texte du masque</a:t>
             </a:r>
           </a:p>
           <a:p>
             <a:pPr lvl="1"/>
             <a:r>
-              <a:rPr lang="fr-FR" smtClean="0"/>
+              <a:rPr lang="fr-FR"/>
               <a:t>Deuxième niveau</a:t>
             </a:r>
           </a:p>
           <a:p>
             <a:pPr lvl="2"/>
             <a:r>
-              <a:rPr lang="fr-FR" smtClean="0"/>
+              <a:rPr lang="fr-FR"/>
               <a:t>Troisième niveau</a:t>
             </a:r>
           </a:p>
           <a:p>
             <a:pPr lvl="3"/>
             <a:r>
-              <a:rPr lang="fr-FR" smtClean="0"/>
+              <a:rPr lang="fr-FR"/>
               <a:t>Quatrième niveau</a:t>
             </a:r>
           </a:p>
           <a:p>
             <a:pPr lvl="4"/>
             <a:r>
-              <a:rPr lang="fr-FR" smtClean="0"/>
+              <a:rPr lang="fr-FR"/>
               <a:t>Cinquième niveau</a:t>
             </a:r>
             <a:endParaRPr lang="fr-BE"/>
@@ -1840,7 +1840,7 @@
           <a:lstStyle/>
           <a:p>
             <a:r>
-              <a:rPr lang="fr-FR" smtClean="0"/>
+              <a:rPr lang="fr-FR"/>
               <a:t>Cliquez pour modifier le style du titre</a:t>
             </a:r>
             <a:endParaRPr lang="fr-BE"/>
@@ -2052,7 +2052,7 @@
           </a:lstStyle>
           <a:p>
             <a:r>
-              <a:rPr lang="fr-FR" smtClean="0"/>
+              <a:rPr lang="fr-FR"/>
               <a:t>Cliquez pour modifier le style du titre</a:t>
             </a:r>
             <a:endParaRPr lang="fr-BE"/>
@@ -2109,35 +2109,35 @@
           <a:p>
             <a:pPr lvl="0"/>
             <a:r>
-              <a:rPr lang="fr-FR" smtClean="0"/>
+              <a:rPr lang="fr-FR"/>
               <a:t>Cliquez pour modifier les styles du texte du masque</a:t>
             </a:r>
           </a:p>
           <a:p>
             <a:pPr lvl="1"/>
             <a:r>
-              <a:rPr lang="fr-FR" smtClean="0"/>
+              <a:rPr lang="fr-FR"/>
               <a:t>Deuxième niveau</a:t>
             </a:r>
           </a:p>
           <a:p>
             <a:pPr lvl="2"/>
             <a:r>
-              <a:rPr lang="fr-FR" smtClean="0"/>
+              <a:rPr lang="fr-FR"/>
               <a:t>Troisième niveau</a:t>
             </a:r>
           </a:p>
           <a:p>
             <a:pPr lvl="3"/>
             <a:r>
-              <a:rPr lang="fr-FR" smtClean="0"/>
+              <a:rPr lang="fr-FR"/>
               <a:t>Quatrième niveau</a:t>
             </a:r>
           </a:p>
           <a:p>
             <a:pPr lvl="4"/>
             <a:r>
-              <a:rPr lang="fr-FR" smtClean="0"/>
+              <a:rPr lang="fr-FR"/>
               <a:t>Cinquième niveau</a:t>
             </a:r>
             <a:endParaRPr lang="fr-BE"/>
@@ -2203,7 +2203,7 @@
           <a:p>
             <a:pPr lvl="0"/>
             <a:r>
-              <a:rPr lang="fr-FR" smtClean="0"/>
+              <a:rPr lang="fr-FR"/>
               <a:t>Cliquez pour modifier les styles du texte du masque</a:t>
             </a:r>
           </a:p>
@@ -2324,7 +2324,7 @@
           </a:lstStyle>
           <a:p>
             <a:r>
-              <a:rPr lang="fr-FR" smtClean="0"/>
+              <a:rPr lang="fr-FR"/>
               <a:t>Cliquez pour modifier le style du titre</a:t>
             </a:r>
             <a:endParaRPr lang="fr-BE"/>
@@ -2451,7 +2451,7 @@
           <a:p>
             <a:pPr lvl="0"/>
             <a:r>
-              <a:rPr lang="fr-FR" smtClean="0"/>
+              <a:rPr lang="fr-FR"/>
               <a:t>Cliquez pour modifier les styles du texte du masque</a:t>
             </a:r>
           </a:p>
@@ -2578,7 +2578,7 @@
           <a:lstStyle/>
           <a:p>
             <a:r>
-              <a:rPr lang="fr-FR" smtClean="0"/>
+              <a:rPr lang="fr-FR"/>
               <a:t>Cliquez pour modifier le style du titre</a:t>
             </a:r>
             <a:endParaRPr lang="fr-BE"/>
@@ -2612,35 +2612,35 @@
           <a:p>
             <a:pPr lvl="0"/>
             <a:r>
-              <a:rPr lang="fr-FR" smtClean="0"/>
+              <a:rPr lang="fr-FR"/>
               <a:t>Cliquez pour modifier les styles du texte du masque</a:t>
             </a:r>
           </a:p>
           <a:p>
             <a:pPr lvl="1"/>
             <a:r>
-              <a:rPr lang="fr-FR" smtClean="0"/>
+              <a:rPr lang="fr-FR"/>
               <a:t>Deuxième niveau</a:t>
             </a:r>
           </a:p>
           <a:p>
             <a:pPr lvl="2"/>
             <a:r>
-              <a:rPr lang="fr-FR" smtClean="0"/>
+              <a:rPr lang="fr-FR"/>
               <a:t>Troisième niveau</a:t>
             </a:r>
           </a:p>
           <a:p>
             <a:pPr lvl="3"/>
             <a:r>
-              <a:rPr lang="fr-FR" smtClean="0"/>
+              <a:rPr lang="fr-FR"/>
               <a:t>Quatrième niveau</a:t>
             </a:r>
           </a:p>
           <a:p>
             <a:pPr lvl="4"/>
             <a:r>
-              <a:rPr lang="fr-FR" smtClean="0"/>
+              <a:rPr lang="fr-FR"/>
               <a:t>Cinquième niveau</a:t>
             </a:r>
             <a:endParaRPr lang="fr-BE"/>
@@ -3052,6 +3052,187 @@
           <a:chExt cx="0" cy="0"/>
         </a:xfrm>
       </p:grpSpPr>
+      <mc:AlternateContent xmlns:mc="http://schemas.openxmlformats.org/markup-compatibility/2006">
+        <mc:Choice xmlns:a14="http://schemas.microsoft.com/office/drawing/2010/main" Requires="a14">
+          <p:sp>
+            <p:nvSpPr>
+              <p:cNvPr id="38" name="ZoneTexte 37"/>
+              <p:cNvSpPr txBox="1"/>
+              <p:nvPr/>
+            </p:nvSpPr>
+            <p:spPr>
+              <a:xfrm>
+                <a:off x="1522980" y="1763234"/>
+                <a:ext cx="342658" cy="261610"/>
+              </a:xfrm>
+              <a:prstGeom prst="rect">
+                <a:avLst/>
+              </a:prstGeom>
+              <a:noFill/>
+            </p:spPr>
+            <p:txBody>
+              <a:bodyPr wrap="none" rtlCol="0">
+                <a:spAutoFit/>
+              </a:bodyPr>
+              <a:lstStyle/>
+              <a:p>
+                <a:pPr/>
+                <a14:m>
+                  <m:oMathPara xmlns:m="http://schemas.openxmlformats.org/officeDocument/2006/math">
+                    <m:oMathParaPr>
+                      <m:jc m:val="centerGroup"/>
+                    </m:oMathParaPr>
+                    <m:oMath xmlns:m="http://schemas.openxmlformats.org/officeDocument/2006/math">
+                      <m:r>
+                        <a:rPr lang="fr-FR" sz="1100" b="0" i="1" smtClean="0">
+                          <a:latin typeface="Cambria Math" panose="02040503050406030204" pitchFamily="18" charset="0"/>
+                        </a:rPr>
+                        <m:t> </m:t>
+                      </m:r>
+                      <m:r>
+                        <a:rPr lang="fr-FR" sz="1100" b="0" i="1" smtClean="0">
+                          <a:latin typeface="Cambria Math" panose="02040503050406030204" pitchFamily="18" charset="0"/>
+                        </a:rPr>
+                        <m:t>𝜃</m:t>
+                      </m:r>
+                    </m:oMath>
+                  </m:oMathPara>
+                </a14:m>
+                <a:endParaRPr lang="fr-FR" sz="1100" dirty="0"/>
+              </a:p>
+            </p:txBody>
+          </p:sp>
+        </mc:Choice>
+        <mc:Fallback>
+          <p:sp>
+            <p:nvSpPr>
+              <p:cNvPr id="38" name="ZoneTexte 37"/>
+              <p:cNvSpPr txBox="1">
+                <a:spLocks noRot="1" noChangeAspect="1" noMove="1" noResize="1" noEditPoints="1" noAdjustHandles="1" noChangeArrowheads="1" noChangeShapeType="1" noTextEdit="1"/>
+              </p:cNvSpPr>
+              <p:nvPr/>
+            </p:nvSpPr>
+            <p:spPr>
+              <a:xfrm>
+                <a:off x="1522980" y="1763234"/>
+                <a:ext cx="342658" cy="261610"/>
+              </a:xfrm>
+              <a:prstGeom prst="rect">
+                <a:avLst/>
+              </a:prstGeom>
+              <a:blipFill>
+                <a:blip r:embed="rId2"/>
+                <a:stretch>
+                  <a:fillRect/>
+                </a:stretch>
+              </a:blipFill>
+            </p:spPr>
+            <p:txBody>
+              <a:bodyPr/>
+              <a:lstStyle/>
+              <a:p>
+                <a:r>
+                  <a:rPr lang="fr-FR">
+                    <a:noFill/>
+                  </a:rPr>
+                  <a:t> </a:t>
+                </a:r>
+              </a:p>
+            </p:txBody>
+          </p:sp>
+        </mc:Fallback>
+      </mc:AlternateContent>
+      <p:grpSp>
+        <p:nvGrpSpPr>
+          <p:cNvPr id="41" name="Groupe 40"/>
+          <p:cNvGrpSpPr/>
+          <p:nvPr/>
+        </p:nvGrpSpPr>
+        <p:grpSpPr>
+          <a:xfrm rot="19800000">
+            <a:off x="742842" y="1138934"/>
+            <a:ext cx="720080" cy="720080"/>
+            <a:chOff x="971600" y="1268760"/>
+            <a:chExt cx="720080" cy="720080"/>
+          </a:xfrm>
+        </p:grpSpPr>
+        <p:cxnSp>
+          <p:nvCxnSpPr>
+            <p:cNvPr id="44" name="Connecteur droit 43"/>
+            <p:cNvCxnSpPr/>
+            <p:nvPr/>
+          </p:nvCxnSpPr>
+          <p:spPr>
+            <a:xfrm flipV="1">
+              <a:off x="971600" y="1268760"/>
+              <a:ext cx="0" cy="720080"/>
+            </a:xfrm>
+            <a:prstGeom prst="line">
+              <a:avLst/>
+            </a:prstGeom>
+            <a:ln w="19050">
+              <a:solidFill>
+                <a:schemeClr val="accent5">
+                  <a:lumMod val="50000"/>
+                </a:schemeClr>
+              </a:solidFill>
+              <a:tailEnd type="stealth" w="med" len="lg"/>
+            </a:ln>
+          </p:spPr>
+          <p:style>
+            <a:lnRef idx="1">
+              <a:schemeClr val="accent1"/>
+            </a:lnRef>
+            <a:fillRef idx="0">
+              <a:schemeClr val="accent1"/>
+            </a:fillRef>
+            <a:effectRef idx="0">
+              <a:schemeClr val="accent1"/>
+            </a:effectRef>
+            <a:fontRef idx="minor">
+              <a:schemeClr val="tx1"/>
+            </a:fontRef>
+          </p:style>
+        </p:cxnSp>
+        <p:cxnSp>
+          <p:nvCxnSpPr>
+            <p:cNvPr id="45" name="Connecteur droit 44"/>
+            <p:cNvCxnSpPr/>
+            <p:nvPr/>
+          </p:nvCxnSpPr>
+          <p:spPr>
+            <a:xfrm rot="5400000" flipV="1">
+              <a:off x="1331640" y="1628800"/>
+              <a:ext cx="0" cy="720080"/>
+            </a:xfrm>
+            <a:prstGeom prst="line">
+              <a:avLst/>
+            </a:prstGeom>
+            <a:ln w="19050">
+              <a:solidFill>
+                <a:schemeClr val="accent5">
+                  <a:lumMod val="50000"/>
+                </a:schemeClr>
+              </a:solidFill>
+              <a:tailEnd type="stealth" w="med" len="lg"/>
+            </a:ln>
+          </p:spPr>
+          <p:style>
+            <a:lnRef idx="1">
+              <a:schemeClr val="accent1"/>
+            </a:lnRef>
+            <a:fillRef idx="0">
+              <a:schemeClr val="accent1"/>
+            </a:fillRef>
+            <a:effectRef idx="0">
+              <a:schemeClr val="accent1"/>
+            </a:effectRef>
+            <a:fontRef idx="minor">
+              <a:schemeClr val="tx1"/>
+            </a:fontRef>
+          </p:style>
+        </p:cxnSp>
+      </p:grpSp>
       <p:grpSp>
         <p:nvGrpSpPr>
           <p:cNvPr id="13" name="Groupe 12"/>
@@ -3396,8 +3577,8 @@
           </a:p>
         </p:txBody>
       </p:sp>
-      <mc:AlternateContent xmlns:mc="http://schemas.openxmlformats.org/markup-compatibility/2006" xmlns:a14="http://schemas.microsoft.com/office/drawing/2010/main">
-        <mc:Choice Requires="a14">
+      <mc:AlternateContent xmlns:mc="http://schemas.openxmlformats.org/markup-compatibility/2006">
+        <mc:Choice xmlns:a14="http://schemas.microsoft.com/office/drawing/2010/main" Requires="a14">
           <p:sp>
             <p:nvSpPr>
               <p:cNvPr id="33" name="ZoneTexte 32"/>
@@ -3407,7 +3588,7 @@
             <p:spPr>
               <a:xfrm>
                 <a:off x="1687151" y="1643834"/>
-                <a:ext cx="352596" cy="261610"/>
+                <a:ext cx="356123" cy="261610"/>
               </a:xfrm>
               <a:prstGeom prst="rect">
                 <a:avLst/>
@@ -3448,17 +3629,17 @@
                             <m:e>
                               <m:r>
                                 <a:rPr lang="fr-FR" sz="1100" b="0" i="1" smtClean="0">
-                                  <a:latin typeface="Cambria Math"/>
+                                  <a:latin typeface="Cambria Math" panose="02040503050406030204" pitchFamily="18" charset="0"/>
                                 </a:rPr>
-                                <m:t>𝑥</m:t>
+                                <m:t>𝑦</m:t>
                               </m:r>
                             </m:e>
                             <m:sub>
                               <m:r>
                                 <a:rPr lang="fr-FR" sz="1100" b="0" i="1" smtClean="0">
-                                  <a:latin typeface="Cambria Math"/>
+                                  <a:latin typeface="Cambria Math" panose="02040503050406030204" pitchFamily="18" charset="0"/>
                                 </a:rPr>
-                                <m:t>1</m:t>
+                                <m:t>2</m:t>
                               </m:r>
                             </m:sub>
                           </m:sSub>
@@ -3472,7 +3653,7 @@
             </p:txBody>
           </p:sp>
         </mc:Choice>
-        <mc:Fallback xmlns="">
+        <mc:Fallback>
           <p:sp>
             <p:nvSpPr>
               <p:cNvPr id="33" name="ZoneTexte 32"/>
@@ -3484,13 +3665,13 @@
             <p:spPr>
               <a:xfrm>
                 <a:off x="1687151" y="1643834"/>
-                <a:ext cx="352596" cy="261610"/>
+                <a:ext cx="356123" cy="261610"/>
               </a:xfrm>
               <a:prstGeom prst="rect">
                 <a:avLst/>
               </a:prstGeom>
-              <a:blipFill rotWithShape="1">
-                <a:blip r:embed="rId2"/>
+              <a:blipFill>
+                <a:blip r:embed="rId3"/>
                 <a:stretch>
                   <a:fillRect/>
                 </a:stretch>
@@ -3511,8 +3692,8 @@
           </p:sp>
         </mc:Fallback>
       </mc:AlternateContent>
-      <mc:AlternateContent xmlns:mc="http://schemas.openxmlformats.org/markup-compatibility/2006" xmlns:a14="http://schemas.microsoft.com/office/drawing/2010/main">
-        <mc:Choice Requires="a14">
+      <mc:AlternateContent xmlns:mc="http://schemas.openxmlformats.org/markup-compatibility/2006">
+        <mc:Choice xmlns:a14="http://schemas.microsoft.com/office/drawing/2010/main" Requires="a14">
           <p:sp>
             <p:nvSpPr>
               <p:cNvPr id="34" name="ZoneTexte 33"/>
@@ -3521,7 +3702,352 @@
             </p:nvSpPr>
             <p:spPr>
               <a:xfrm>
-                <a:off x="1688081" y="1858035"/>
+                <a:off x="1706452" y="1858034"/>
+                <a:ext cx="356123" cy="261610"/>
+              </a:xfrm>
+              <a:prstGeom prst="rect">
+                <a:avLst/>
+              </a:prstGeom>
+              <a:noFill/>
+            </p:spPr>
+            <p:txBody>
+              <a:bodyPr wrap="none" rtlCol="0">
+                <a:spAutoFit/>
+              </a:bodyPr>
+              <a:lstStyle/>
+              <a:p>
+                <a:pPr/>
+                <a14:m>
+                  <m:oMathPara xmlns:m="http://schemas.openxmlformats.org/officeDocument/2006/math">
+                    <m:oMathParaPr>
+                      <m:jc m:val="centerGroup"/>
+                    </m:oMathParaPr>
+                    <m:oMath xmlns:m="http://schemas.openxmlformats.org/officeDocument/2006/math">
+                      <m:acc>
+                        <m:accPr>
+                          <m:chr m:val="⃗"/>
+                          <m:ctrlPr>
+                            <a:rPr lang="fr-FR" sz="1100" i="1" smtClean="0">
+                              <a:latin typeface="Cambria Math" panose="02040503050406030204" pitchFamily="18" charset="0"/>
+                            </a:rPr>
+                          </m:ctrlPr>
+                        </m:accPr>
+                        <m:e>
+                          <m:sSub>
+                            <m:sSubPr>
+                              <m:ctrlPr>
+                                <a:rPr lang="fr-FR" sz="1100" b="0" i="1" smtClean="0">
+                                  <a:latin typeface="Cambria Math" panose="02040503050406030204" pitchFamily="18" charset="0"/>
+                                </a:rPr>
+                              </m:ctrlPr>
+                            </m:sSubPr>
+                            <m:e>
+                              <m:r>
+                                <a:rPr lang="fr-FR" sz="1100" b="0" i="1" smtClean="0">
+                                  <a:latin typeface="Cambria Math" panose="02040503050406030204" pitchFamily="18" charset="0"/>
+                                </a:rPr>
+                                <m:t>𝑦</m:t>
+                              </m:r>
+                            </m:e>
+                            <m:sub>
+                              <m:r>
+                                <a:rPr lang="fr-FR" sz="1100" b="0" i="1" smtClean="0">
+                                  <a:latin typeface="Cambria Math"/>
+                                </a:rPr>
+                                <m:t>0</m:t>
+                              </m:r>
+                            </m:sub>
+                          </m:sSub>
+                        </m:e>
+                      </m:acc>
+                    </m:oMath>
+                  </m:oMathPara>
+                </a14:m>
+                <a:endParaRPr lang="fr-FR" sz="1100" dirty="0"/>
+              </a:p>
+            </p:txBody>
+          </p:sp>
+        </mc:Choice>
+        <mc:Fallback>
+          <p:sp>
+            <p:nvSpPr>
+              <p:cNvPr id="34" name="ZoneTexte 33"/>
+              <p:cNvSpPr txBox="1">
+                <a:spLocks noRot="1" noChangeAspect="1" noMove="1" noResize="1" noEditPoints="1" noAdjustHandles="1" noChangeArrowheads="1" noChangeShapeType="1" noTextEdit="1"/>
+              </p:cNvSpPr>
+              <p:nvPr/>
+            </p:nvSpPr>
+            <p:spPr>
+              <a:xfrm>
+                <a:off x="1706452" y="1858034"/>
+                <a:ext cx="356123" cy="261610"/>
+              </a:xfrm>
+              <a:prstGeom prst="rect">
+                <a:avLst/>
+              </a:prstGeom>
+              <a:blipFill>
+                <a:blip r:embed="rId4"/>
+                <a:stretch>
+                  <a:fillRect/>
+                </a:stretch>
+              </a:blipFill>
+            </p:spPr>
+            <p:txBody>
+              <a:bodyPr/>
+              <a:lstStyle/>
+              <a:p>
+                <a:r>
+                  <a:rPr lang="fr-FR">
+                    <a:noFill/>
+                  </a:rPr>
+                  <a:t> </a:t>
+                </a:r>
+              </a:p>
+            </p:txBody>
+          </p:sp>
+        </mc:Fallback>
+      </mc:AlternateContent>
+      <mc:AlternateContent xmlns:mc="http://schemas.openxmlformats.org/markup-compatibility/2006">
+        <mc:Choice xmlns:a14="http://schemas.microsoft.com/office/drawing/2010/main" Requires="a14">
+          <p:sp>
+            <p:nvSpPr>
+              <p:cNvPr id="35" name="ZoneTexte 34"/>
+              <p:cNvSpPr txBox="1"/>
+              <p:nvPr/>
+            </p:nvSpPr>
+            <p:spPr>
+              <a:xfrm>
+                <a:off x="597290" y="1007150"/>
+                <a:ext cx="347338" cy="261610"/>
+              </a:xfrm>
+              <a:prstGeom prst="rect">
+                <a:avLst/>
+              </a:prstGeom>
+              <a:noFill/>
+            </p:spPr>
+            <p:txBody>
+              <a:bodyPr wrap="none" rtlCol="0">
+                <a:spAutoFit/>
+              </a:bodyPr>
+              <a:lstStyle/>
+              <a:p>
+                <a:pPr/>
+                <a14:m>
+                  <m:oMathPara xmlns:m="http://schemas.openxmlformats.org/officeDocument/2006/math">
+                    <m:oMathParaPr>
+                      <m:jc m:val="centerGroup"/>
+                    </m:oMathParaPr>
+                    <m:oMath xmlns:m="http://schemas.openxmlformats.org/officeDocument/2006/math">
+                      <m:acc>
+                        <m:accPr>
+                          <m:chr m:val="⃗"/>
+                          <m:ctrlPr>
+                            <a:rPr lang="fr-FR" sz="1100" i="1" smtClean="0">
+                              <a:latin typeface="Cambria Math" panose="02040503050406030204" pitchFamily="18" charset="0"/>
+                            </a:rPr>
+                          </m:ctrlPr>
+                        </m:accPr>
+                        <m:e>
+                          <m:sSub>
+                            <m:sSubPr>
+                              <m:ctrlPr>
+                                <a:rPr lang="fr-FR" sz="1100" b="0" i="1" smtClean="0">
+                                  <a:latin typeface="Cambria Math" panose="02040503050406030204" pitchFamily="18" charset="0"/>
+                                </a:rPr>
+                              </m:ctrlPr>
+                            </m:sSubPr>
+                            <m:e>
+                              <m:r>
+                                <a:rPr lang="fr-FR" sz="1100" b="0" i="1" smtClean="0">
+                                  <a:latin typeface="Cambria Math" panose="02040503050406030204" pitchFamily="18" charset="0"/>
+                                </a:rPr>
+                                <m:t>𝑧</m:t>
+                              </m:r>
+                            </m:e>
+                            <m:sub>
+                              <m:r>
+                                <a:rPr lang="fr-FR" sz="1100" b="0" i="1" smtClean="0">
+                                  <a:latin typeface="Cambria Math" panose="02040503050406030204" pitchFamily="18" charset="0"/>
+                                </a:rPr>
+                                <m:t>2</m:t>
+                              </m:r>
+                            </m:sub>
+                          </m:sSub>
+                        </m:e>
+                      </m:acc>
+                    </m:oMath>
+                  </m:oMathPara>
+                </a14:m>
+                <a:endParaRPr lang="fr-FR" sz="1100" dirty="0"/>
+              </a:p>
+            </p:txBody>
+          </p:sp>
+        </mc:Choice>
+        <mc:Fallback>
+          <p:sp>
+            <p:nvSpPr>
+              <p:cNvPr id="35" name="ZoneTexte 34"/>
+              <p:cNvSpPr txBox="1">
+                <a:spLocks noRot="1" noChangeAspect="1" noMove="1" noResize="1" noEditPoints="1" noAdjustHandles="1" noChangeArrowheads="1" noChangeShapeType="1" noTextEdit="1"/>
+              </p:cNvSpPr>
+              <p:nvPr/>
+            </p:nvSpPr>
+            <p:spPr>
+              <a:xfrm>
+                <a:off x="597290" y="1007150"/>
+                <a:ext cx="347338" cy="261610"/>
+              </a:xfrm>
+              <a:prstGeom prst="rect">
+                <a:avLst/>
+              </a:prstGeom>
+              <a:blipFill>
+                <a:blip r:embed="rId5"/>
+                <a:stretch>
+                  <a:fillRect/>
+                </a:stretch>
+              </a:blipFill>
+            </p:spPr>
+            <p:txBody>
+              <a:bodyPr/>
+              <a:lstStyle/>
+              <a:p>
+                <a:r>
+                  <a:rPr lang="fr-FR">
+                    <a:noFill/>
+                  </a:rPr>
+                  <a:t> </a:t>
+                </a:r>
+              </a:p>
+            </p:txBody>
+          </p:sp>
+        </mc:Fallback>
+      </mc:AlternateContent>
+      <mc:AlternateContent xmlns:mc="http://schemas.openxmlformats.org/markup-compatibility/2006">
+        <mc:Choice xmlns:a14="http://schemas.microsoft.com/office/drawing/2010/main" Requires="a14">
+          <p:sp>
+            <p:nvSpPr>
+              <p:cNvPr id="36" name="ZoneTexte 35"/>
+              <p:cNvSpPr txBox="1"/>
+              <p:nvPr/>
+            </p:nvSpPr>
+            <p:spPr>
+              <a:xfrm>
+                <a:off x="828860" y="1007150"/>
+                <a:ext cx="347338" cy="261610"/>
+              </a:xfrm>
+              <a:prstGeom prst="rect">
+                <a:avLst/>
+              </a:prstGeom>
+              <a:noFill/>
+            </p:spPr>
+            <p:txBody>
+              <a:bodyPr wrap="none" rtlCol="0">
+                <a:spAutoFit/>
+              </a:bodyPr>
+              <a:lstStyle/>
+              <a:p>
+                <a:pPr/>
+                <a14:m>
+                  <m:oMathPara xmlns:m="http://schemas.openxmlformats.org/officeDocument/2006/math">
+                    <m:oMathParaPr>
+                      <m:jc m:val="centerGroup"/>
+                    </m:oMathParaPr>
+                    <m:oMath xmlns:m="http://schemas.openxmlformats.org/officeDocument/2006/math">
+                      <m:acc>
+                        <m:accPr>
+                          <m:chr m:val="⃗"/>
+                          <m:ctrlPr>
+                            <a:rPr lang="fr-FR" sz="1100" i="1" smtClean="0">
+                              <a:latin typeface="Cambria Math" panose="02040503050406030204" pitchFamily="18" charset="0"/>
+                            </a:rPr>
+                          </m:ctrlPr>
+                        </m:accPr>
+                        <m:e>
+                          <m:sSub>
+                            <m:sSubPr>
+                              <m:ctrlPr>
+                                <a:rPr lang="fr-FR" sz="1100" b="0" i="1" smtClean="0">
+                                  <a:latin typeface="Cambria Math" panose="02040503050406030204" pitchFamily="18" charset="0"/>
+                                </a:rPr>
+                              </m:ctrlPr>
+                            </m:sSubPr>
+                            <m:e>
+                              <m:r>
+                                <a:rPr lang="fr-FR" sz="1100" b="0" i="1" smtClean="0">
+                                  <a:latin typeface="Cambria Math" panose="02040503050406030204" pitchFamily="18" charset="0"/>
+                                </a:rPr>
+                                <m:t>𝑧</m:t>
+                              </m:r>
+                            </m:e>
+                            <m:sub>
+                              <m:r>
+                                <a:rPr lang="fr-FR" sz="1100" b="0" i="1" smtClean="0">
+                                  <a:latin typeface="Cambria Math"/>
+                                </a:rPr>
+                                <m:t>0</m:t>
+                              </m:r>
+                            </m:sub>
+                          </m:sSub>
+                        </m:e>
+                      </m:acc>
+                    </m:oMath>
+                  </m:oMathPara>
+                </a14:m>
+                <a:endParaRPr lang="fr-FR" sz="1100" dirty="0"/>
+              </a:p>
+            </p:txBody>
+          </p:sp>
+        </mc:Choice>
+        <mc:Fallback>
+          <p:sp>
+            <p:nvSpPr>
+              <p:cNvPr id="36" name="ZoneTexte 35"/>
+              <p:cNvSpPr txBox="1">
+                <a:spLocks noRot="1" noChangeAspect="1" noMove="1" noResize="1" noEditPoints="1" noAdjustHandles="1" noChangeArrowheads="1" noChangeShapeType="1" noTextEdit="1"/>
+              </p:cNvSpPr>
+              <p:nvPr/>
+            </p:nvSpPr>
+            <p:spPr>
+              <a:xfrm>
+                <a:off x="828860" y="1007150"/>
+                <a:ext cx="347338" cy="261610"/>
+              </a:xfrm>
+              <a:prstGeom prst="rect">
+                <a:avLst/>
+              </a:prstGeom>
+              <a:blipFill>
+                <a:blip r:embed="rId6"/>
+                <a:stretch>
+                  <a:fillRect/>
+                </a:stretch>
+              </a:blipFill>
+            </p:spPr>
+            <p:txBody>
+              <a:bodyPr/>
+              <a:lstStyle/>
+              <a:p>
+                <a:r>
+                  <a:rPr lang="fr-FR">
+                    <a:noFill/>
+                  </a:rPr>
+                  <a:t> </a:t>
+                </a:r>
+              </a:p>
+            </p:txBody>
+          </p:sp>
+        </mc:Fallback>
+      </mc:AlternateContent>
+      <mc:AlternateContent xmlns:mc="http://schemas.openxmlformats.org/markup-compatibility/2006">
+        <mc:Choice xmlns:a14="http://schemas.microsoft.com/office/drawing/2010/main" Requires="a14">
+          <p:sp>
+            <p:nvSpPr>
+              <p:cNvPr id="37" name="ZoneTexte 36"/>
+              <p:cNvSpPr txBox="1"/>
+              <p:nvPr/>
+            </p:nvSpPr>
+            <p:spPr>
+              <a:xfrm>
+                <a:off x="616430" y="2026779"/>
                 <a:ext cx="355867" cy="261610"/>
               </a:xfrm>
               <a:prstGeom prst="rect">
@@ -3563,7 +4089,7 @@
                             <m:e>
                               <m:r>
                                 <a:rPr lang="fr-FR" sz="1100" b="0" i="1" smtClean="0">
-                                  <a:latin typeface="Cambria Math"/>
+                                  <a:latin typeface="Cambria Math" panose="02040503050406030204" pitchFamily="18" charset="0"/>
                                 </a:rPr>
                                 <m:t>𝑥</m:t>
                               </m:r>
@@ -3587,10 +4113,10 @@
             </p:txBody>
           </p:sp>
         </mc:Choice>
-        <mc:Fallback xmlns="">
+        <mc:Fallback>
           <p:sp>
             <p:nvSpPr>
-              <p:cNvPr id="34" name="ZoneTexte 33"/>
+              <p:cNvPr id="37" name="ZoneTexte 36"/>
               <p:cNvSpPr txBox="1">
                 <a:spLocks noRot="1" noChangeAspect="1" noMove="1" noResize="1" noEditPoints="1" noAdjustHandles="1" noChangeArrowheads="1" noChangeShapeType="1" noTextEdit="1"/>
               </p:cNvSpPr>
@@ -3598,14 +4124,14 @@
             </p:nvSpPr>
             <p:spPr>
               <a:xfrm>
-                <a:off x="1688081" y="1858035"/>
+                <a:off x="616430" y="2026779"/>
                 <a:ext cx="355867" cy="261610"/>
               </a:xfrm>
               <a:prstGeom prst="rect">
                 <a:avLst/>
               </a:prstGeom>
-              <a:blipFill rotWithShape="1">
-                <a:blip r:embed="rId3"/>
+              <a:blipFill>
+                <a:blip r:embed="rId7"/>
                 <a:stretch>
                   <a:fillRect/>
                 </a:stretch>
@@ -3626,132 +4152,23 @@
           </p:sp>
         </mc:Fallback>
       </mc:AlternateContent>
-      <mc:AlternateContent xmlns:mc="http://schemas.openxmlformats.org/markup-compatibility/2006" xmlns:a14="http://schemas.microsoft.com/office/drawing/2010/main">
-        <mc:Choice Requires="a14">
+      <mc:AlternateContent xmlns:mc="http://schemas.openxmlformats.org/markup-compatibility/2006">
+        <mc:Choice xmlns:a14="http://schemas.microsoft.com/office/drawing/2010/main" Requires="a14">
           <p:sp>
             <p:nvSpPr>
-              <p:cNvPr id="35" name="ZoneTexte 34"/>
+              <p:cNvPr id="64" name="ZoneTexte 63">
+                <a:extLst>
+                  <a:ext uri="{FF2B5EF4-FFF2-40B4-BE49-F238E27FC236}">
+                    <a16:creationId xmlns:a16="http://schemas.microsoft.com/office/drawing/2014/main" id="{1E9A24AC-0ABB-4693-9F7B-CBACC2303487}"/>
+                  </a:ext>
+                </a:extLst>
+              </p:cNvPr>
               <p:cNvSpPr txBox="1"/>
               <p:nvPr/>
             </p:nvSpPr>
             <p:spPr>
               <a:xfrm>
-                <a:off x="597290" y="1007150"/>
-                <a:ext cx="352853" cy="261610"/>
-              </a:xfrm>
-              <a:prstGeom prst="rect">
-                <a:avLst/>
-              </a:prstGeom>
-              <a:noFill/>
-            </p:spPr>
-            <p:txBody>
-              <a:bodyPr wrap="none" rtlCol="0">
-                <a:spAutoFit/>
-              </a:bodyPr>
-              <a:lstStyle/>
-              <a:p>
-                <a:pPr/>
-                <a14:m>
-                  <m:oMathPara xmlns:m="http://schemas.openxmlformats.org/officeDocument/2006/math">
-                    <m:oMathParaPr>
-                      <m:jc m:val="centerGroup"/>
-                    </m:oMathParaPr>
-                    <m:oMath xmlns:m="http://schemas.openxmlformats.org/officeDocument/2006/math">
-                      <m:acc>
-                        <m:accPr>
-                          <m:chr m:val="⃗"/>
-                          <m:ctrlPr>
-                            <a:rPr lang="fr-FR" sz="1100" i="1" smtClean="0">
-                              <a:latin typeface="Cambria Math" panose="02040503050406030204" pitchFamily="18" charset="0"/>
-                            </a:rPr>
-                          </m:ctrlPr>
-                        </m:accPr>
-                        <m:e>
-                          <m:sSub>
-                            <m:sSubPr>
-                              <m:ctrlPr>
-                                <a:rPr lang="fr-FR" sz="1100" b="0" i="1" smtClean="0">
-                                  <a:latin typeface="Cambria Math" panose="02040503050406030204" pitchFamily="18" charset="0"/>
-                                </a:rPr>
-                              </m:ctrlPr>
-                            </m:sSubPr>
-                            <m:e>
-                              <m:r>
-                                <a:rPr lang="fr-FR" sz="1100" b="0" i="1" smtClean="0">
-                                  <a:latin typeface="Cambria Math"/>
-                                </a:rPr>
-                                <m:t>𝑦</m:t>
-                              </m:r>
-                            </m:e>
-                            <m:sub>
-                              <m:r>
-                                <a:rPr lang="fr-FR" sz="1100" b="0" i="1" smtClean="0">
-                                  <a:latin typeface="Cambria Math"/>
-                                </a:rPr>
-                                <m:t>1</m:t>
-                              </m:r>
-                            </m:sub>
-                          </m:sSub>
-                        </m:e>
-                      </m:acc>
-                    </m:oMath>
-                  </m:oMathPara>
-                </a14:m>
-                <a:endParaRPr lang="fr-FR" sz="1100" dirty="0"/>
-              </a:p>
-            </p:txBody>
-          </p:sp>
-        </mc:Choice>
-        <mc:Fallback xmlns="">
-          <p:sp>
-            <p:nvSpPr>
-              <p:cNvPr id="35" name="ZoneTexte 34"/>
-              <p:cNvSpPr txBox="1">
-                <a:spLocks noRot="1" noChangeAspect="1" noMove="1" noResize="1" noEditPoints="1" noAdjustHandles="1" noChangeArrowheads="1" noChangeShapeType="1" noTextEdit="1"/>
-              </p:cNvSpPr>
-              <p:nvPr/>
-            </p:nvSpPr>
-            <p:spPr>
-              <a:xfrm>
-                <a:off x="597290" y="1007150"/>
-                <a:ext cx="352853" cy="261610"/>
-              </a:xfrm>
-              <a:prstGeom prst="rect">
-                <a:avLst/>
-              </a:prstGeom>
-              <a:blipFill rotWithShape="1">
-                <a:blip r:embed="rId4"/>
-                <a:stretch>
-                  <a:fillRect/>
-                </a:stretch>
-              </a:blipFill>
-            </p:spPr>
-            <p:txBody>
-              <a:bodyPr/>
-              <a:lstStyle/>
-              <a:p>
-                <a:r>
-                  <a:rPr lang="fr-FR">
-                    <a:noFill/>
-                  </a:rPr>
-                  <a:t> </a:t>
-                </a:r>
-              </a:p>
-            </p:txBody>
-          </p:sp>
-        </mc:Fallback>
-      </mc:AlternateContent>
-      <mc:AlternateContent xmlns:mc="http://schemas.openxmlformats.org/markup-compatibility/2006" xmlns:a14="http://schemas.microsoft.com/office/drawing/2010/main">
-        <mc:Choice Requires="a14">
-          <p:sp>
-            <p:nvSpPr>
-              <p:cNvPr id="36" name="ZoneTexte 35"/>
-              <p:cNvSpPr txBox="1"/>
-              <p:nvPr/>
-            </p:nvSpPr>
-            <p:spPr>
-              <a:xfrm>
-                <a:off x="828860" y="1007150"/>
+                <a:off x="1513634" y="1442828"/>
                 <a:ext cx="356123" cy="261610"/>
               </a:xfrm>
               <a:prstGeom prst="rect">
@@ -3793,7 +4210,7 @@
                             <m:e>
                               <m:r>
                                 <a:rPr lang="fr-FR" sz="1100" b="0" i="1" smtClean="0">
-                                  <a:latin typeface="Cambria Math"/>
+                                  <a:latin typeface="Cambria Math" panose="02040503050406030204" pitchFamily="18" charset="0"/>
                                 </a:rPr>
                                 <m:t>𝑦</m:t>
                               </m:r>
@@ -3801,9 +4218,9 @@
                             <m:sub>
                               <m:r>
                                 <a:rPr lang="fr-FR" sz="1100" b="0" i="1" smtClean="0">
-                                  <a:latin typeface="Cambria Math"/>
+                                  <a:latin typeface="Cambria Math" panose="02040503050406030204" pitchFamily="18" charset="0"/>
                                 </a:rPr>
-                                <m:t>0</m:t>
+                                <m:t>3</m:t>
                               </m:r>
                             </m:sub>
                           </m:sSub>
@@ -3817,10 +4234,16 @@
             </p:txBody>
           </p:sp>
         </mc:Choice>
-        <mc:Fallback xmlns="">
+        <mc:Fallback>
           <p:sp>
             <p:nvSpPr>
-              <p:cNvPr id="36" name="ZoneTexte 35"/>
+              <p:cNvPr id="64" name="ZoneTexte 63">
+                <a:extLst>
+                  <a:ext uri="{FF2B5EF4-FFF2-40B4-BE49-F238E27FC236}">
+                    <a16:creationId xmlns:a16="http://schemas.microsoft.com/office/drawing/2014/main" id="{1E9A24AC-0ABB-4693-9F7B-CBACC2303487}"/>
+                  </a:ext>
+                </a:extLst>
+              </p:cNvPr>
               <p:cNvSpPr txBox="1">
                 <a:spLocks noRot="1" noChangeAspect="1" noMove="1" noResize="1" noEditPoints="1" noAdjustHandles="1" noChangeArrowheads="1" noChangeShapeType="1" noTextEdit="1"/>
               </p:cNvSpPr>
@@ -3828,690 +4251,13 @@
             </p:nvSpPr>
             <p:spPr>
               <a:xfrm>
-                <a:off x="828860" y="1007150"/>
+                <a:off x="1513634" y="1442828"/>
                 <a:ext cx="356123" cy="261610"/>
               </a:xfrm>
               <a:prstGeom prst="rect">
                 <a:avLst/>
               </a:prstGeom>
-              <a:blipFill rotWithShape="1">
-                <a:blip r:embed="rId5"/>
-                <a:stretch>
-                  <a:fillRect/>
-                </a:stretch>
-              </a:blipFill>
-            </p:spPr>
-            <p:txBody>
-              <a:bodyPr/>
-              <a:lstStyle/>
-              <a:p>
-                <a:r>
-                  <a:rPr lang="fr-FR">
-                    <a:noFill/>
-                  </a:rPr>
-                  <a:t> </a:t>
-                </a:r>
-              </a:p>
-            </p:txBody>
-          </p:sp>
-        </mc:Fallback>
-      </mc:AlternateContent>
-      <mc:AlternateContent xmlns:mc="http://schemas.openxmlformats.org/markup-compatibility/2006" xmlns:a14="http://schemas.microsoft.com/office/drawing/2010/main">
-        <mc:Choice Requires="a14">
-          <p:sp>
-            <p:nvSpPr>
-              <p:cNvPr id="37" name="ZoneTexte 36"/>
-              <p:cNvSpPr txBox="1"/>
-              <p:nvPr/>
-            </p:nvSpPr>
-            <p:spPr>
-              <a:xfrm>
-                <a:off x="616430" y="2026779"/>
-                <a:ext cx="406650" cy="261610"/>
-              </a:xfrm>
-              <a:prstGeom prst="rect">
-                <a:avLst/>
-              </a:prstGeom>
-              <a:noFill/>
-            </p:spPr>
-            <p:txBody>
-              <a:bodyPr wrap="none" rtlCol="0">
-                <a:spAutoFit/>
-              </a:bodyPr>
-              <a:lstStyle/>
-              <a:p>
-                <a:pPr/>
-                <a14:m>
-                  <m:oMathPara xmlns:m="http://schemas.openxmlformats.org/officeDocument/2006/math">
-                    <m:oMathParaPr>
-                      <m:jc m:val="centerGroup"/>
-                    </m:oMathParaPr>
-                    <m:oMath xmlns:m="http://schemas.openxmlformats.org/officeDocument/2006/math">
-                      <m:acc>
-                        <m:accPr>
-                          <m:chr m:val="⃗"/>
-                          <m:ctrlPr>
-                            <a:rPr lang="fr-FR" sz="1100" i="1" smtClean="0">
-                              <a:latin typeface="Cambria Math" panose="02040503050406030204" pitchFamily="18" charset="0"/>
-                            </a:rPr>
-                          </m:ctrlPr>
-                        </m:accPr>
-                        <m:e>
-                          <m:sSub>
-                            <m:sSubPr>
-                              <m:ctrlPr>
-                                <a:rPr lang="fr-FR" sz="1100" b="0" i="1" smtClean="0">
-                                  <a:latin typeface="Cambria Math" panose="02040503050406030204" pitchFamily="18" charset="0"/>
-                                </a:rPr>
-                              </m:ctrlPr>
-                            </m:sSubPr>
-                            <m:e>
-                              <m:r>
-                                <a:rPr lang="fr-FR" sz="1100" b="0" i="1" smtClean="0">
-                                  <a:latin typeface="Cambria Math"/>
-                                </a:rPr>
-                                <m:t>𝑧</m:t>
-                              </m:r>
-                            </m:e>
-                            <m:sub>
-                              <m:r>
-                                <a:rPr lang="fr-FR" sz="1100" b="0" i="1" smtClean="0">
-                                  <a:latin typeface="Cambria Math"/>
-                                </a:rPr>
-                                <m:t>01</m:t>
-                              </m:r>
-                            </m:sub>
-                          </m:sSub>
-                        </m:e>
-                      </m:acc>
-                    </m:oMath>
-                  </m:oMathPara>
-                </a14:m>
-                <a:endParaRPr lang="fr-FR" sz="1100" dirty="0"/>
-              </a:p>
-            </p:txBody>
-          </p:sp>
-        </mc:Choice>
-        <mc:Fallback xmlns="">
-          <p:sp>
-            <p:nvSpPr>
-              <p:cNvPr id="37" name="ZoneTexte 36"/>
-              <p:cNvSpPr txBox="1">
-                <a:spLocks noRot="1" noChangeAspect="1" noMove="1" noResize="1" noEditPoints="1" noAdjustHandles="1" noChangeArrowheads="1" noChangeShapeType="1" noTextEdit="1"/>
-              </p:cNvSpPr>
-              <p:nvPr/>
-            </p:nvSpPr>
-            <p:spPr>
-              <a:xfrm>
-                <a:off x="616430" y="2026779"/>
-                <a:ext cx="406650" cy="261610"/>
-              </a:xfrm>
-              <a:prstGeom prst="rect">
-                <a:avLst/>
-              </a:prstGeom>
-              <a:blipFill rotWithShape="1">
-                <a:blip r:embed="rId6"/>
-                <a:stretch>
-                  <a:fillRect/>
-                </a:stretch>
-              </a:blipFill>
-            </p:spPr>
-            <p:txBody>
-              <a:bodyPr/>
-              <a:lstStyle/>
-              <a:p>
-                <a:r>
-                  <a:rPr lang="fr-FR">
-                    <a:noFill/>
-                  </a:rPr>
-                  <a:t> </a:t>
-                </a:r>
-              </a:p>
-            </p:txBody>
-          </p:sp>
-        </mc:Fallback>
-      </mc:AlternateContent>
-      <mc:AlternateContent xmlns:mc="http://schemas.openxmlformats.org/markup-compatibility/2006" xmlns:a14="http://schemas.microsoft.com/office/drawing/2010/main">
-        <mc:Choice Requires="a14">
-          <p:sp>
-            <p:nvSpPr>
-              <p:cNvPr id="38" name="ZoneTexte 37"/>
-              <p:cNvSpPr txBox="1"/>
-              <p:nvPr/>
-            </p:nvSpPr>
-            <p:spPr>
-              <a:xfrm>
-                <a:off x="1193849" y="1612667"/>
-                <a:ext cx="353815" cy="261610"/>
-              </a:xfrm>
-              <a:prstGeom prst="rect">
-                <a:avLst/>
-              </a:prstGeom>
-              <a:noFill/>
-            </p:spPr>
-            <p:txBody>
-              <a:bodyPr wrap="none" rtlCol="0">
-                <a:spAutoFit/>
-              </a:bodyPr>
-              <a:lstStyle/>
-              <a:p>
-                <a:pPr/>
-                <a14:m>
-                  <m:oMathPara xmlns:m="http://schemas.openxmlformats.org/officeDocument/2006/math">
-                    <m:oMathParaPr>
-                      <m:jc m:val="centerGroup"/>
-                    </m:oMathParaPr>
-                    <m:oMath xmlns:m="http://schemas.openxmlformats.org/officeDocument/2006/math">
-                      <m:sSub>
-                        <m:sSubPr>
-                          <m:ctrlPr>
-                            <a:rPr lang="fr-FR" sz="1100" b="0" i="1" smtClean="0">
-                              <a:latin typeface="Cambria Math" panose="02040503050406030204" pitchFamily="18" charset="0"/>
-                            </a:rPr>
-                          </m:ctrlPr>
-                        </m:sSubPr>
-                        <m:e>
-                          <m:r>
-                            <a:rPr lang="fr-FR" sz="1100" i="1" smtClean="0">
-                              <a:latin typeface="Cambria Math"/>
-                            </a:rPr>
-                            <m:t>𝜃</m:t>
-                          </m:r>
-                        </m:e>
-                        <m:sub>
-                          <m:r>
-                            <a:rPr lang="fr-FR" sz="1100" b="0" i="1" smtClean="0">
-                              <a:latin typeface="Cambria Math"/>
-                            </a:rPr>
-                            <m:t>1</m:t>
-                          </m:r>
-                        </m:sub>
-                      </m:sSub>
-                    </m:oMath>
-                  </m:oMathPara>
-                </a14:m>
-                <a:endParaRPr lang="fr-FR" sz="1100" dirty="0"/>
-              </a:p>
-            </p:txBody>
-          </p:sp>
-        </mc:Choice>
-        <mc:Fallback xmlns="">
-          <p:sp>
-            <p:nvSpPr>
-              <p:cNvPr id="38" name="ZoneTexte 37"/>
-              <p:cNvSpPr txBox="1">
-                <a:spLocks noRot="1" noChangeAspect="1" noMove="1" noResize="1" noEditPoints="1" noAdjustHandles="1" noChangeArrowheads="1" noChangeShapeType="1" noTextEdit="1"/>
-              </p:cNvSpPr>
-              <p:nvPr/>
-            </p:nvSpPr>
-            <p:spPr>
-              <a:xfrm>
-                <a:off x="1193849" y="1612667"/>
-                <a:ext cx="353815" cy="261610"/>
-              </a:xfrm>
-              <a:prstGeom prst="rect">
-                <a:avLst/>
-              </a:prstGeom>
-              <a:blipFill rotWithShape="1">
-                <a:blip r:embed="rId7"/>
-                <a:stretch>
-                  <a:fillRect/>
-                </a:stretch>
-              </a:blipFill>
-            </p:spPr>
-            <p:txBody>
-              <a:bodyPr/>
-              <a:lstStyle/>
-              <a:p>
-                <a:r>
-                  <a:rPr lang="fr-FR">
-                    <a:noFill/>
-                  </a:rPr>
-                  <a:t> </a:t>
-                </a:r>
-              </a:p>
-            </p:txBody>
-          </p:sp>
-        </mc:Fallback>
-      </mc:AlternateContent>
-      <p:grpSp>
-        <p:nvGrpSpPr>
-          <p:cNvPr id="39" name="Groupe 38"/>
-          <p:cNvGrpSpPr/>
-          <p:nvPr/>
-        </p:nvGrpSpPr>
-        <p:grpSpPr>
-          <a:xfrm>
-            <a:off x="2207688" y="1186468"/>
-            <a:ext cx="827850" cy="837002"/>
-            <a:chOff x="863830" y="1187842"/>
-            <a:chExt cx="827850" cy="837002"/>
-          </a:xfrm>
-        </p:grpSpPr>
-        <p:grpSp>
-          <p:nvGrpSpPr>
-            <p:cNvPr id="40" name="Groupe 39"/>
-            <p:cNvGrpSpPr/>
-            <p:nvPr/>
-          </p:nvGrpSpPr>
-          <p:grpSpPr>
-            <a:xfrm>
-              <a:off x="971600" y="1268760"/>
-              <a:ext cx="720080" cy="720080"/>
-              <a:chOff x="971600" y="1268760"/>
-              <a:chExt cx="720080" cy="720080"/>
-            </a:xfrm>
-          </p:grpSpPr>
-          <p:cxnSp>
-            <p:nvCxnSpPr>
-              <p:cNvPr id="46" name="Connecteur droit 45"/>
-              <p:cNvCxnSpPr/>
-              <p:nvPr/>
-            </p:nvCxnSpPr>
-            <p:spPr>
-              <a:xfrm flipV="1">
-                <a:off x="971600" y="1268760"/>
-                <a:ext cx="0" cy="720080"/>
-              </a:xfrm>
-              <a:prstGeom prst="line">
-                <a:avLst/>
-              </a:prstGeom>
-              <a:ln w="19050">
-                <a:solidFill>
-                  <a:schemeClr val="accent5">
-                    <a:lumMod val="50000"/>
-                  </a:schemeClr>
-                </a:solidFill>
-                <a:tailEnd type="stealth" w="med" len="lg"/>
-              </a:ln>
-            </p:spPr>
-            <p:style>
-              <a:lnRef idx="1">
-                <a:schemeClr val="accent1"/>
-              </a:lnRef>
-              <a:fillRef idx="0">
-                <a:schemeClr val="accent1"/>
-              </a:fillRef>
-              <a:effectRef idx="0">
-                <a:schemeClr val="accent1"/>
-              </a:effectRef>
-              <a:fontRef idx="minor">
-                <a:schemeClr val="tx1"/>
-              </a:fontRef>
-            </p:style>
-          </p:cxnSp>
-          <p:cxnSp>
-            <p:nvCxnSpPr>
-              <p:cNvPr id="47" name="Connecteur droit 46"/>
-              <p:cNvCxnSpPr/>
-              <p:nvPr/>
-            </p:nvCxnSpPr>
-            <p:spPr>
-              <a:xfrm rot="5400000" flipV="1">
-                <a:off x="1331640" y="1628800"/>
-                <a:ext cx="0" cy="720080"/>
-              </a:xfrm>
-              <a:prstGeom prst="line">
-                <a:avLst/>
-              </a:prstGeom>
-              <a:ln w="19050">
-                <a:solidFill>
-                  <a:schemeClr val="accent5">
-                    <a:lumMod val="50000"/>
-                  </a:schemeClr>
-                </a:solidFill>
-                <a:tailEnd type="stealth" w="med" len="lg"/>
-              </a:ln>
-            </p:spPr>
-            <p:style>
-              <a:lnRef idx="1">
-                <a:schemeClr val="accent1"/>
-              </a:lnRef>
-              <a:fillRef idx="0">
-                <a:schemeClr val="accent1"/>
-              </a:fillRef>
-              <a:effectRef idx="0">
-                <a:schemeClr val="accent1"/>
-              </a:effectRef>
-              <a:fontRef idx="minor">
-                <a:schemeClr val="tx1"/>
-              </a:fontRef>
-            </p:style>
-          </p:cxnSp>
-        </p:grpSp>
-        <p:grpSp>
-          <p:nvGrpSpPr>
-            <p:cNvPr id="41" name="Groupe 40"/>
-            <p:cNvGrpSpPr/>
-            <p:nvPr/>
-          </p:nvGrpSpPr>
-          <p:grpSpPr>
-            <a:xfrm rot="20700000">
-              <a:off x="863830" y="1187842"/>
-              <a:ext cx="720080" cy="720080"/>
-              <a:chOff x="971600" y="1268760"/>
-              <a:chExt cx="720080" cy="720080"/>
-            </a:xfrm>
-          </p:grpSpPr>
-          <p:cxnSp>
-            <p:nvCxnSpPr>
-              <p:cNvPr id="44" name="Connecteur droit 43"/>
-              <p:cNvCxnSpPr/>
-              <p:nvPr/>
-            </p:nvCxnSpPr>
-            <p:spPr>
-              <a:xfrm flipV="1">
-                <a:off x="971600" y="1268760"/>
-                <a:ext cx="0" cy="720080"/>
-              </a:xfrm>
-              <a:prstGeom prst="line">
-                <a:avLst/>
-              </a:prstGeom>
-              <a:ln w="19050">
-                <a:solidFill>
-                  <a:schemeClr val="accent5">
-                    <a:lumMod val="50000"/>
-                  </a:schemeClr>
-                </a:solidFill>
-                <a:tailEnd type="stealth" w="med" len="lg"/>
-              </a:ln>
-            </p:spPr>
-            <p:style>
-              <a:lnRef idx="1">
-                <a:schemeClr val="accent1"/>
-              </a:lnRef>
-              <a:fillRef idx="0">
-                <a:schemeClr val="accent1"/>
-              </a:fillRef>
-              <a:effectRef idx="0">
-                <a:schemeClr val="accent1"/>
-              </a:effectRef>
-              <a:fontRef idx="minor">
-                <a:schemeClr val="tx1"/>
-              </a:fontRef>
-            </p:style>
-          </p:cxnSp>
-          <p:cxnSp>
-            <p:nvCxnSpPr>
-              <p:cNvPr id="45" name="Connecteur droit 44"/>
-              <p:cNvCxnSpPr/>
-              <p:nvPr/>
-            </p:nvCxnSpPr>
-            <p:spPr>
-              <a:xfrm rot="5400000" flipV="1">
-                <a:off x="1331640" y="1628800"/>
-                <a:ext cx="0" cy="720080"/>
-              </a:xfrm>
-              <a:prstGeom prst="line">
-                <a:avLst/>
-              </a:prstGeom>
-              <a:ln w="19050">
-                <a:solidFill>
-                  <a:schemeClr val="accent5">
-                    <a:lumMod val="50000"/>
-                  </a:schemeClr>
-                </a:solidFill>
-                <a:tailEnd type="stealth" w="med" len="lg"/>
-              </a:ln>
-            </p:spPr>
-            <p:style>
-              <a:lnRef idx="1">
-                <a:schemeClr val="accent1"/>
-              </a:lnRef>
-              <a:fillRef idx="0">
-                <a:schemeClr val="accent1"/>
-              </a:fillRef>
-              <a:effectRef idx="0">
-                <a:schemeClr val="accent1"/>
-              </a:effectRef>
-              <a:fontRef idx="minor">
-                <a:schemeClr val="tx1"/>
-              </a:fontRef>
-            </p:style>
-          </p:cxnSp>
-        </p:grpSp>
-        <p:sp>
-          <p:nvSpPr>
-            <p:cNvPr id="42" name="Ellipse 41"/>
-            <p:cNvSpPr/>
-            <p:nvPr/>
-          </p:nvSpPr>
-          <p:spPr>
-            <a:xfrm>
-              <a:off x="933279" y="1952836"/>
-              <a:ext cx="72008" cy="72008"/>
-            </a:xfrm>
-            <a:prstGeom prst="ellipse">
-              <a:avLst/>
-            </a:prstGeom>
-            <a:solidFill>
-              <a:schemeClr val="bg1"/>
-            </a:solidFill>
-            <a:ln w="19050">
-              <a:solidFill>
-                <a:schemeClr val="accent5">
-                  <a:lumMod val="50000"/>
-                </a:schemeClr>
-              </a:solidFill>
-            </a:ln>
-          </p:spPr>
-          <p:style>
-            <a:lnRef idx="2">
-              <a:schemeClr val="accent1">
-                <a:shade val="50000"/>
-              </a:schemeClr>
-            </a:lnRef>
-            <a:fillRef idx="1">
-              <a:schemeClr val="accent1"/>
-            </a:fillRef>
-            <a:effectRef idx="0">
-              <a:schemeClr val="accent1"/>
-            </a:effectRef>
-            <a:fontRef idx="minor">
-              <a:schemeClr val="lt1"/>
-            </a:fontRef>
-          </p:style>
-          <p:txBody>
-            <a:bodyPr rtlCol="0" anchor="ctr"/>
-            <a:lstStyle/>
-            <a:p>
-              <a:pPr algn="ctr"/>
-              <a:endParaRPr lang="fr-FR"/>
-            </a:p>
-          </p:txBody>
-        </p:sp>
-        <p:sp>
-          <p:nvSpPr>
-            <p:cNvPr id="43" name="Ellipse 42"/>
-            <p:cNvSpPr/>
-            <p:nvPr/>
-          </p:nvSpPr>
-          <p:spPr>
-            <a:xfrm>
-              <a:off x="951283" y="1970840"/>
-              <a:ext cx="36000" cy="36000"/>
-            </a:xfrm>
-            <a:prstGeom prst="ellipse">
-              <a:avLst/>
-            </a:prstGeom>
-            <a:solidFill>
-              <a:schemeClr val="accent5">
-                <a:lumMod val="50000"/>
-              </a:schemeClr>
-            </a:solidFill>
-            <a:ln w="19050">
-              <a:noFill/>
-            </a:ln>
-          </p:spPr>
-          <p:style>
-            <a:lnRef idx="2">
-              <a:schemeClr val="accent1">
-                <a:shade val="50000"/>
-              </a:schemeClr>
-            </a:lnRef>
-            <a:fillRef idx="1">
-              <a:schemeClr val="accent1"/>
-            </a:fillRef>
-            <a:effectRef idx="0">
-              <a:schemeClr val="accent1"/>
-            </a:effectRef>
-            <a:fontRef idx="minor">
-              <a:schemeClr val="lt1"/>
-            </a:fontRef>
-          </p:style>
-          <p:txBody>
-            <a:bodyPr rtlCol="0" anchor="ctr"/>
-            <a:lstStyle/>
-            <a:p>
-              <a:pPr algn="ctr"/>
-              <a:endParaRPr lang="fr-FR"/>
-            </a:p>
-          </p:txBody>
-        </p:sp>
-      </p:grpSp>
-      <p:sp>
-        <p:nvSpPr>
-          <p:cNvPr id="48" name="Arc 47"/>
-          <p:cNvSpPr/>
-          <p:nvPr/>
-        </p:nvSpPr>
-        <p:spPr>
-          <a:xfrm>
-            <a:off x="1739394" y="1411401"/>
-            <a:ext cx="1152128" cy="1152128"/>
-          </a:xfrm>
-          <a:prstGeom prst="arc">
-            <a:avLst>
-              <a:gd name="adj1" fmla="val 20855604"/>
-              <a:gd name="adj2" fmla="val 0"/>
-            </a:avLst>
-          </a:prstGeom>
-          <a:ln>
-            <a:solidFill>
-              <a:schemeClr val="accent5">
-                <a:lumMod val="50000"/>
-              </a:schemeClr>
-            </a:solidFill>
-            <a:headEnd type="stealth" w="sm" len="med"/>
-          </a:ln>
-        </p:spPr>
-        <p:style>
-          <a:lnRef idx="1">
-            <a:schemeClr val="accent1"/>
-          </a:lnRef>
-          <a:fillRef idx="0">
-            <a:schemeClr val="accent1"/>
-          </a:fillRef>
-          <a:effectRef idx="0">
-            <a:schemeClr val="accent1"/>
-          </a:effectRef>
-          <a:fontRef idx="minor">
-            <a:schemeClr val="tx1"/>
-          </a:fontRef>
-        </p:style>
-        <p:txBody>
-          <a:bodyPr rtlCol="0" anchor="ctr"/>
-          <a:lstStyle/>
-          <a:p>
-            <a:pPr algn="ctr"/>
-            <a:endParaRPr lang="fr-FR"/>
-          </a:p>
-        </p:txBody>
-      </p:sp>
-      <mc:AlternateContent xmlns:mc="http://schemas.openxmlformats.org/markup-compatibility/2006" xmlns:a14="http://schemas.microsoft.com/office/drawing/2010/main">
-        <mc:Choice Requires="a14">
-          <p:sp>
-            <p:nvSpPr>
-              <p:cNvPr id="49" name="ZoneTexte 48"/>
-              <p:cNvSpPr txBox="1"/>
-              <p:nvPr/>
-            </p:nvSpPr>
-            <p:spPr>
-              <a:xfrm>
-                <a:off x="3031009" y="1642460"/>
-                <a:ext cx="356123" cy="261610"/>
-              </a:xfrm>
-              <a:prstGeom prst="rect">
-                <a:avLst/>
-              </a:prstGeom>
-              <a:noFill/>
-            </p:spPr>
-            <p:txBody>
-              <a:bodyPr wrap="none" rtlCol="0">
-                <a:spAutoFit/>
-              </a:bodyPr>
-              <a:lstStyle/>
-              <a:p>
-                <a:pPr/>
-                <a14:m>
-                  <m:oMathPara xmlns:m="http://schemas.openxmlformats.org/officeDocument/2006/math">
-                    <m:oMathParaPr>
-                      <m:jc m:val="centerGroup"/>
-                    </m:oMathParaPr>
-                    <m:oMath xmlns:m="http://schemas.openxmlformats.org/officeDocument/2006/math">
-                      <m:acc>
-                        <m:accPr>
-                          <m:chr m:val="⃗"/>
-                          <m:ctrlPr>
-                            <a:rPr lang="fr-FR" sz="1100" i="1" smtClean="0">
-                              <a:latin typeface="Cambria Math" panose="02040503050406030204" pitchFamily="18" charset="0"/>
-                            </a:rPr>
-                          </m:ctrlPr>
-                        </m:accPr>
-                        <m:e>
-                          <m:sSub>
-                            <m:sSubPr>
-                              <m:ctrlPr>
-                                <a:rPr lang="fr-FR" sz="1100" b="0" i="1" smtClean="0">
-                                  <a:latin typeface="Cambria Math" panose="02040503050406030204" pitchFamily="18" charset="0"/>
-                                </a:rPr>
-                              </m:ctrlPr>
-                            </m:sSubPr>
-                            <m:e>
-                              <m:r>
-                                <a:rPr lang="fr-FR" sz="1100" b="0" i="1" smtClean="0">
-                                  <a:latin typeface="Cambria Math"/>
-                                </a:rPr>
-                                <m:t>𝑦</m:t>
-                              </m:r>
-                            </m:e>
-                            <m:sub>
-                              <m:r>
-                                <a:rPr lang="fr-FR" sz="1100" b="0" i="1" smtClean="0">
-                                  <a:latin typeface="Cambria Math"/>
-                                </a:rPr>
-                                <m:t>2</m:t>
-                              </m:r>
-                            </m:sub>
-                          </m:sSub>
-                        </m:e>
-                      </m:acc>
-                    </m:oMath>
-                  </m:oMathPara>
-                </a14:m>
-                <a:endParaRPr lang="fr-FR" sz="1100" dirty="0"/>
-              </a:p>
-            </p:txBody>
-          </p:sp>
-        </mc:Choice>
-        <mc:Fallback xmlns="">
-          <p:sp>
-            <p:nvSpPr>
-              <p:cNvPr id="49" name="ZoneTexte 48"/>
-              <p:cNvSpPr txBox="1">
-                <a:spLocks noRot="1" noChangeAspect="1" noMove="1" noResize="1" noEditPoints="1" noAdjustHandles="1" noChangeArrowheads="1" noChangeShapeType="1" noTextEdit="1"/>
-              </p:cNvSpPr>
-              <p:nvPr/>
-            </p:nvSpPr>
-            <p:spPr>
-              <a:xfrm>
-                <a:off x="3031009" y="1642460"/>
-                <a:ext cx="356123" cy="261610"/>
-              </a:xfrm>
-              <a:prstGeom prst="rect">
-                <a:avLst/>
-              </a:prstGeom>
-              <a:blipFill rotWithShape="1">
+              <a:blipFill>
                 <a:blip r:embed="rId8"/>
                 <a:stretch>
                   <a:fillRect/>
@@ -4533,132 +4279,23 @@
           </p:sp>
         </mc:Fallback>
       </mc:AlternateContent>
-      <mc:AlternateContent xmlns:mc="http://schemas.openxmlformats.org/markup-compatibility/2006" xmlns:a14="http://schemas.microsoft.com/office/drawing/2010/main">
-        <mc:Choice Requires="a14">
+      <mc:AlternateContent xmlns:mc="http://schemas.openxmlformats.org/markup-compatibility/2006">
+        <mc:Choice xmlns:a14="http://schemas.microsoft.com/office/drawing/2010/main" Requires="a14">
           <p:sp>
             <p:nvSpPr>
-              <p:cNvPr id="50" name="ZoneTexte 49"/>
+              <p:cNvPr id="65" name="ZoneTexte 64">
+                <a:extLst>
+                  <a:ext uri="{FF2B5EF4-FFF2-40B4-BE49-F238E27FC236}">
+                    <a16:creationId xmlns:a16="http://schemas.microsoft.com/office/drawing/2014/main" id="{54DF5315-8521-4BCE-B1F1-C872FFC000DE}"/>
+                  </a:ext>
+                </a:extLst>
+              </p:cNvPr>
               <p:cNvSpPr txBox="1"/>
               <p:nvPr/>
             </p:nvSpPr>
             <p:spPr>
               <a:xfrm>
-                <a:off x="3031939" y="1856661"/>
-                <a:ext cx="352853" cy="261610"/>
-              </a:xfrm>
-              <a:prstGeom prst="rect">
-                <a:avLst/>
-              </a:prstGeom>
-              <a:noFill/>
-            </p:spPr>
-            <p:txBody>
-              <a:bodyPr wrap="none" rtlCol="0">
-                <a:spAutoFit/>
-              </a:bodyPr>
-              <a:lstStyle/>
-              <a:p>
-                <a:pPr/>
-                <a14:m>
-                  <m:oMathPara xmlns:m="http://schemas.openxmlformats.org/officeDocument/2006/math">
-                    <m:oMathParaPr>
-                      <m:jc m:val="centerGroup"/>
-                    </m:oMathParaPr>
-                    <m:oMath xmlns:m="http://schemas.openxmlformats.org/officeDocument/2006/math">
-                      <m:acc>
-                        <m:accPr>
-                          <m:chr m:val="⃗"/>
-                          <m:ctrlPr>
-                            <a:rPr lang="fr-FR" sz="1100" i="1" smtClean="0">
-                              <a:latin typeface="Cambria Math" panose="02040503050406030204" pitchFamily="18" charset="0"/>
-                            </a:rPr>
-                          </m:ctrlPr>
-                        </m:accPr>
-                        <m:e>
-                          <m:sSub>
-                            <m:sSubPr>
-                              <m:ctrlPr>
-                                <a:rPr lang="fr-FR" sz="1100" b="0" i="1" smtClean="0">
-                                  <a:latin typeface="Cambria Math" panose="02040503050406030204" pitchFamily="18" charset="0"/>
-                                </a:rPr>
-                              </m:ctrlPr>
-                            </m:sSubPr>
-                            <m:e>
-                              <m:r>
-                                <a:rPr lang="fr-FR" sz="1100" b="0" i="1" smtClean="0">
-                                  <a:latin typeface="Cambria Math"/>
-                                </a:rPr>
-                                <m:t>𝑦</m:t>
-                              </m:r>
-                            </m:e>
-                            <m:sub>
-                              <m:r>
-                                <a:rPr lang="fr-FR" sz="1100" b="0" i="1" smtClean="0">
-                                  <a:latin typeface="Cambria Math"/>
-                                </a:rPr>
-                                <m:t>1</m:t>
-                              </m:r>
-                            </m:sub>
-                          </m:sSub>
-                        </m:e>
-                      </m:acc>
-                    </m:oMath>
-                  </m:oMathPara>
-                </a14:m>
-                <a:endParaRPr lang="fr-FR" sz="1100" dirty="0"/>
-              </a:p>
-            </p:txBody>
-          </p:sp>
-        </mc:Choice>
-        <mc:Fallback xmlns="">
-          <p:sp>
-            <p:nvSpPr>
-              <p:cNvPr id="50" name="ZoneTexte 49"/>
-              <p:cNvSpPr txBox="1">
-                <a:spLocks noRot="1" noChangeAspect="1" noMove="1" noResize="1" noEditPoints="1" noAdjustHandles="1" noChangeArrowheads="1" noChangeShapeType="1" noTextEdit="1"/>
-              </p:cNvSpPr>
-              <p:nvPr/>
-            </p:nvSpPr>
-            <p:spPr>
-              <a:xfrm>
-                <a:off x="3031939" y="1856661"/>
-                <a:ext cx="352853" cy="261610"/>
-              </a:xfrm>
-              <a:prstGeom prst="rect">
-                <a:avLst/>
-              </a:prstGeom>
-              <a:blipFill rotWithShape="1">
-                <a:blip r:embed="rId9"/>
-                <a:stretch>
-                  <a:fillRect b="-2381"/>
-                </a:stretch>
-              </a:blipFill>
-            </p:spPr>
-            <p:txBody>
-              <a:bodyPr/>
-              <a:lstStyle/>
-              <a:p>
-                <a:r>
-                  <a:rPr lang="fr-FR">
-                    <a:noFill/>
-                  </a:rPr>
-                  <a:t> </a:t>
-                </a:r>
-              </a:p>
-            </p:txBody>
-          </p:sp>
-        </mc:Fallback>
-      </mc:AlternateContent>
-      <mc:AlternateContent xmlns:mc="http://schemas.openxmlformats.org/markup-compatibility/2006" xmlns:a14="http://schemas.microsoft.com/office/drawing/2010/main">
-        <mc:Choice Requires="a14">
-          <p:sp>
-            <p:nvSpPr>
-              <p:cNvPr id="51" name="ZoneTexte 50"/>
-              <p:cNvSpPr txBox="1"/>
-              <p:nvPr/>
-            </p:nvSpPr>
-            <p:spPr>
-              <a:xfrm>
-                <a:off x="1941148" y="1005776"/>
+                <a:off x="385542" y="1104613"/>
                 <a:ext cx="347338" cy="261610"/>
               </a:xfrm>
               <a:prstGeom prst="rect">
@@ -4700,7 +4337,7 @@
                             <m:e>
                               <m:r>
                                 <a:rPr lang="fr-FR" sz="1100" b="0" i="1" smtClean="0">
-                                  <a:latin typeface="Cambria Math"/>
+                                  <a:latin typeface="Cambria Math" panose="02040503050406030204" pitchFamily="18" charset="0"/>
                                 </a:rPr>
                                 <m:t>𝑧</m:t>
                               </m:r>
@@ -4708,9 +4345,9 @@
                             <m:sub>
                               <m:r>
                                 <a:rPr lang="fr-FR" sz="1100" b="0" i="1" smtClean="0">
-                                  <a:latin typeface="Cambria Math"/>
+                                  <a:latin typeface="Cambria Math" panose="02040503050406030204" pitchFamily="18" charset="0"/>
                                 </a:rPr>
-                                <m:t>2</m:t>
+                                <m:t>3</m:t>
                               </m:r>
                             </m:sub>
                           </m:sSub>
@@ -4724,10 +4361,16 @@
             </p:txBody>
           </p:sp>
         </mc:Choice>
-        <mc:Fallback xmlns="">
+        <mc:Fallback>
           <p:sp>
             <p:nvSpPr>
-              <p:cNvPr id="51" name="ZoneTexte 50"/>
+              <p:cNvPr id="65" name="ZoneTexte 64">
+                <a:extLst>
+                  <a:ext uri="{FF2B5EF4-FFF2-40B4-BE49-F238E27FC236}">
+                    <a16:creationId xmlns:a16="http://schemas.microsoft.com/office/drawing/2014/main" id="{54DF5315-8521-4BCE-B1F1-C872FFC000DE}"/>
+                  </a:ext>
+                </a:extLst>
+              </p:cNvPr>
               <p:cNvSpPr txBox="1">
                 <a:spLocks noRot="1" noChangeAspect="1" noMove="1" noResize="1" noEditPoints="1" noAdjustHandles="1" noChangeArrowheads="1" noChangeShapeType="1" noTextEdit="1"/>
               </p:cNvSpPr>
@@ -4735,14 +4378,14 @@
             </p:nvSpPr>
             <p:spPr>
               <a:xfrm>
-                <a:off x="1941148" y="1005776"/>
+                <a:off x="385542" y="1104613"/>
                 <a:ext cx="347338" cy="261610"/>
               </a:xfrm>
               <a:prstGeom prst="rect">
                 <a:avLst/>
               </a:prstGeom>
-              <a:blipFill rotWithShape="1">
-                <a:blip r:embed="rId10"/>
+              <a:blipFill>
+                <a:blip r:embed="rId9"/>
                 <a:stretch>
                   <a:fillRect/>
                 </a:stretch>
@@ -4763,18 +4406,79 @@
           </p:sp>
         </mc:Fallback>
       </mc:AlternateContent>
-      <mc:AlternateContent xmlns:mc="http://schemas.openxmlformats.org/markup-compatibility/2006" xmlns:a14="http://schemas.microsoft.com/office/drawing/2010/main">
-        <mc:Choice Requires="a14">
+      <p:sp>
+        <p:nvSpPr>
+          <p:cNvPr id="66" name="Arc 65">
+            <a:extLst>
+              <a:ext uri="{FF2B5EF4-FFF2-40B4-BE49-F238E27FC236}">
+                <a16:creationId xmlns:a16="http://schemas.microsoft.com/office/drawing/2014/main" id="{0D6DFA0C-A9FF-43E8-970F-B40B7BBE7B8E}"/>
+              </a:ext>
+            </a:extLst>
+          </p:cNvPr>
+          <p:cNvSpPr/>
+          <p:nvPr/>
+        </p:nvSpPr>
+        <p:spPr>
+          <a:xfrm>
+            <a:off x="392754" y="1412775"/>
+            <a:ext cx="1152128" cy="1152128"/>
+          </a:xfrm>
+          <a:prstGeom prst="arc">
+            <a:avLst>
+              <a:gd name="adj1" fmla="val 19948219"/>
+              <a:gd name="adj2" fmla="val 20583615"/>
+            </a:avLst>
+          </a:prstGeom>
+          <a:ln>
+            <a:solidFill>
+              <a:schemeClr val="accent5">
+                <a:lumMod val="50000"/>
+              </a:schemeClr>
+            </a:solidFill>
+            <a:headEnd type="stealth" w="sm" len="med"/>
+          </a:ln>
+        </p:spPr>
+        <p:style>
+          <a:lnRef idx="1">
+            <a:schemeClr val="accent1"/>
+          </a:lnRef>
+          <a:fillRef idx="0">
+            <a:schemeClr val="accent1"/>
+          </a:fillRef>
+          <a:effectRef idx="0">
+            <a:schemeClr val="accent1"/>
+          </a:effectRef>
+          <a:fontRef idx="minor">
+            <a:schemeClr val="tx1"/>
+          </a:fontRef>
+        </p:style>
+        <p:txBody>
+          <a:bodyPr rtlCol="0" anchor="ctr"/>
+          <a:lstStyle/>
+          <a:p>
+            <a:pPr algn="ctr"/>
+            <a:endParaRPr lang="fr-FR"/>
+          </a:p>
+        </p:txBody>
+      </p:sp>
+      <mc:AlternateContent xmlns:mc="http://schemas.openxmlformats.org/markup-compatibility/2006">
+        <mc:Choice xmlns:a14="http://schemas.microsoft.com/office/drawing/2010/main" Requires="a14">
           <p:sp>
             <p:nvSpPr>
-              <p:cNvPr id="52" name="ZoneTexte 51"/>
+              <p:cNvPr id="67" name="ZoneTexte 66">
+                <a:extLst>
+                  <a:ext uri="{FF2B5EF4-FFF2-40B4-BE49-F238E27FC236}">
+                    <a16:creationId xmlns:a16="http://schemas.microsoft.com/office/drawing/2014/main" id="{06413AEA-2B27-4BEA-B0DC-3062742B6FA6}"/>
+                  </a:ext>
+                </a:extLst>
+              </p:cNvPr>
               <p:cNvSpPr txBox="1"/>
               <p:nvPr/>
             </p:nvSpPr>
             <p:spPr>
               <a:xfrm>
-                <a:off x="2172718" y="1005776"/>
-                <a:ext cx="344069" cy="261610"/>
+                <a:off x="1255744" y="1488735"/>
+                <a:ext cx="305981" cy="261610"/>
               </a:xfrm>
               <a:prstGeom prst="rect">
                 <a:avLst/>
@@ -4794,43 +4498,12 @@
                       <m:jc m:val="centerGroup"/>
                     </m:oMathParaPr>
                     <m:oMath xmlns:m="http://schemas.openxmlformats.org/officeDocument/2006/math">
-                      <m:acc>
-                        <m:accPr>
-                          <m:chr m:val="⃗"/>
-                          <m:ctrlPr>
-                            <a:rPr lang="fr-FR" sz="1100" i="1" smtClean="0">
-                              <a:latin typeface="Cambria Math" panose="02040503050406030204" pitchFamily="18" charset="0"/>
-                            </a:rPr>
-                          </m:ctrlPr>
-                        </m:accPr>
-                        <m:e>
-                          <m:sSub>
-                            <m:sSubPr>
-                              <m:ctrlPr>
-                                <a:rPr lang="fr-FR" sz="1100" b="0" i="1" smtClean="0">
-                                  <a:latin typeface="Cambria Math" panose="02040503050406030204" pitchFamily="18" charset="0"/>
-                                </a:rPr>
-                              </m:ctrlPr>
-                            </m:sSubPr>
-                            <m:e>
-                              <m:r>
-                                <a:rPr lang="fr-FR" sz="1100" b="0" i="1" smtClean="0">
-                                  <a:latin typeface="Cambria Math"/>
-                                </a:rPr>
-                                <m:t>𝑧</m:t>
-                              </m:r>
-                            </m:e>
-                            <m:sub>
-                              <m:r>
-                                <a:rPr lang="fr-FR" sz="1100" b="0" i="1" smtClean="0">
-                                  <a:latin typeface="Cambria Math"/>
-                                </a:rPr>
-                                <m:t>1</m:t>
-                              </m:r>
-                            </m:sub>
-                          </m:sSub>
-                        </m:e>
-                      </m:acc>
+                      <m:r>
+                        <a:rPr lang="fr-FR" sz="1100" b="0" i="1" smtClean="0">
+                          <a:latin typeface="Cambria Math" panose="02040503050406030204" pitchFamily="18" charset="0"/>
+                        </a:rPr>
+                        <m:t>𝛽</m:t>
+                      </m:r>
                     </m:oMath>
                   </m:oMathPara>
                 </a14:m>
@@ -4839,10 +4512,16 @@
             </p:txBody>
           </p:sp>
         </mc:Choice>
-        <mc:Fallback xmlns="">
+        <mc:Fallback>
           <p:sp>
             <p:nvSpPr>
-              <p:cNvPr id="52" name="ZoneTexte 51"/>
+              <p:cNvPr id="67" name="ZoneTexte 66">
+                <a:extLst>
+                  <a:ext uri="{FF2B5EF4-FFF2-40B4-BE49-F238E27FC236}">
+                    <a16:creationId xmlns:a16="http://schemas.microsoft.com/office/drawing/2014/main" id="{06413AEA-2B27-4BEA-B0DC-3062742B6FA6}"/>
+                  </a:ext>
+                </a:extLst>
+              </p:cNvPr>
               <p:cNvSpPr txBox="1">
                 <a:spLocks noRot="1" noChangeAspect="1" noMove="1" noResize="1" noEditPoints="1" noAdjustHandles="1" noChangeArrowheads="1" noChangeShapeType="1" noTextEdit="1"/>
               </p:cNvSpPr>
@@ -4850,234 +4529,16 @@
             </p:nvSpPr>
             <p:spPr>
               <a:xfrm>
-                <a:off x="2172718" y="1005776"/>
-                <a:ext cx="344069" cy="261610"/>
+                <a:off x="1255744" y="1488735"/>
+                <a:ext cx="305981" cy="261610"/>
               </a:xfrm>
               <a:prstGeom prst="rect">
                 <a:avLst/>
               </a:prstGeom>
-              <a:blipFill rotWithShape="1">
-                <a:blip r:embed="rId11"/>
+              <a:blipFill>
+                <a:blip r:embed="rId10"/>
                 <a:stretch>
-                  <a:fillRect/>
-                </a:stretch>
-              </a:blipFill>
-            </p:spPr>
-            <p:txBody>
-              <a:bodyPr/>
-              <a:lstStyle/>
-              <a:p>
-                <a:r>
-                  <a:rPr lang="fr-FR">
-                    <a:noFill/>
-                  </a:rPr>
-                  <a:t> </a:t>
-                </a:r>
-              </a:p>
-            </p:txBody>
-          </p:sp>
-        </mc:Fallback>
-      </mc:AlternateContent>
-      <mc:AlternateContent xmlns:mc="http://schemas.openxmlformats.org/markup-compatibility/2006" xmlns:a14="http://schemas.microsoft.com/office/drawing/2010/main">
-        <mc:Choice Requires="a14">
-          <p:sp>
-            <p:nvSpPr>
-              <p:cNvPr id="53" name="ZoneTexte 52"/>
-              <p:cNvSpPr txBox="1"/>
-              <p:nvPr/>
-            </p:nvSpPr>
-            <p:spPr>
-              <a:xfrm>
-                <a:off x="1960288" y="2025405"/>
-                <a:ext cx="411908" cy="261610"/>
-              </a:xfrm>
-              <a:prstGeom prst="rect">
-                <a:avLst/>
-              </a:prstGeom>
-              <a:noFill/>
-            </p:spPr>
-            <p:txBody>
-              <a:bodyPr wrap="none" rtlCol="0">
-                <a:spAutoFit/>
-              </a:bodyPr>
-              <a:lstStyle/>
-              <a:p>
-                <a:pPr/>
-                <a14:m>
-                  <m:oMathPara xmlns:m="http://schemas.openxmlformats.org/officeDocument/2006/math">
-                    <m:oMathParaPr>
-                      <m:jc m:val="centerGroup"/>
-                    </m:oMathParaPr>
-                    <m:oMath xmlns:m="http://schemas.openxmlformats.org/officeDocument/2006/math">
-                      <m:acc>
-                        <m:accPr>
-                          <m:chr m:val="⃗"/>
-                          <m:ctrlPr>
-                            <a:rPr lang="fr-FR" sz="1100" i="1" smtClean="0">
-                              <a:latin typeface="Cambria Math" panose="02040503050406030204" pitchFamily="18" charset="0"/>
-                            </a:rPr>
-                          </m:ctrlPr>
-                        </m:accPr>
-                        <m:e>
-                          <m:sSub>
-                            <m:sSubPr>
-                              <m:ctrlPr>
-                                <a:rPr lang="fr-FR" sz="1100" b="0" i="1" smtClean="0">
-                                  <a:latin typeface="Cambria Math" panose="02040503050406030204" pitchFamily="18" charset="0"/>
-                                </a:rPr>
-                              </m:ctrlPr>
-                            </m:sSubPr>
-                            <m:e>
-                              <m:r>
-                                <a:rPr lang="fr-FR" sz="1100" b="0" i="1" smtClean="0">
-                                  <a:latin typeface="Cambria Math"/>
-                                </a:rPr>
-                                <m:t>𝑥</m:t>
-                              </m:r>
-                            </m:e>
-                            <m:sub>
-                              <m:r>
-                                <a:rPr lang="fr-FR" sz="1100" b="0" i="1" smtClean="0">
-                                  <a:latin typeface="Cambria Math"/>
-                                </a:rPr>
-                                <m:t>12</m:t>
-                              </m:r>
-                            </m:sub>
-                          </m:sSub>
-                        </m:e>
-                      </m:acc>
-                    </m:oMath>
-                  </m:oMathPara>
-                </a14:m>
-                <a:endParaRPr lang="fr-FR" sz="1100" dirty="0"/>
-              </a:p>
-            </p:txBody>
-          </p:sp>
-        </mc:Choice>
-        <mc:Fallback xmlns="">
-          <p:sp>
-            <p:nvSpPr>
-              <p:cNvPr id="53" name="ZoneTexte 52"/>
-              <p:cNvSpPr txBox="1">
-                <a:spLocks noRot="1" noChangeAspect="1" noMove="1" noResize="1" noEditPoints="1" noAdjustHandles="1" noChangeArrowheads="1" noChangeShapeType="1" noTextEdit="1"/>
-              </p:cNvSpPr>
-              <p:nvPr/>
-            </p:nvSpPr>
-            <p:spPr>
-              <a:xfrm>
-                <a:off x="1960288" y="2025405"/>
-                <a:ext cx="411908" cy="261610"/>
-              </a:xfrm>
-              <a:prstGeom prst="rect">
-                <a:avLst/>
-              </a:prstGeom>
-              <a:blipFill rotWithShape="1">
-                <a:blip r:embed="rId12"/>
-                <a:stretch>
-                  <a:fillRect/>
-                </a:stretch>
-              </a:blipFill>
-            </p:spPr>
-            <p:txBody>
-              <a:bodyPr/>
-              <a:lstStyle/>
-              <a:p>
-                <a:r>
-                  <a:rPr lang="fr-FR">
-                    <a:noFill/>
-                  </a:rPr>
-                  <a:t> </a:t>
-                </a:r>
-              </a:p>
-            </p:txBody>
-          </p:sp>
-        </mc:Fallback>
-      </mc:AlternateContent>
-      <mc:AlternateContent xmlns:mc="http://schemas.openxmlformats.org/markup-compatibility/2006" xmlns:a14="http://schemas.microsoft.com/office/drawing/2010/main">
-        <mc:Choice Requires="a14">
-          <p:sp>
-            <p:nvSpPr>
-              <p:cNvPr id="54" name="ZoneTexte 53"/>
-              <p:cNvSpPr txBox="1"/>
-              <p:nvPr/>
-            </p:nvSpPr>
-            <p:spPr>
-              <a:xfrm>
-                <a:off x="2537707" y="1611293"/>
-                <a:ext cx="357084" cy="261610"/>
-              </a:xfrm>
-              <a:prstGeom prst="rect">
-                <a:avLst/>
-              </a:prstGeom>
-              <a:noFill/>
-            </p:spPr>
-            <p:txBody>
-              <a:bodyPr wrap="none" rtlCol="0">
-                <a:spAutoFit/>
-              </a:bodyPr>
-              <a:lstStyle/>
-              <a:p>
-                <a:pPr/>
-                <a14:m>
-                  <m:oMathPara xmlns:m="http://schemas.openxmlformats.org/officeDocument/2006/math">
-                    <m:oMathParaPr>
-                      <m:jc m:val="centerGroup"/>
-                    </m:oMathParaPr>
-                    <m:oMath xmlns:m="http://schemas.openxmlformats.org/officeDocument/2006/math">
-                      <m:sSub>
-                        <m:sSubPr>
-                          <m:ctrlPr>
-                            <a:rPr lang="fr-FR" sz="1100" b="0" i="1" smtClean="0">
-                              <a:latin typeface="Cambria Math" panose="02040503050406030204" pitchFamily="18" charset="0"/>
-                            </a:rPr>
-                          </m:ctrlPr>
-                        </m:sSubPr>
-                        <m:e>
-                          <m:r>
-                            <a:rPr lang="fr-FR" sz="1100" i="1" smtClean="0">
-                              <a:latin typeface="Cambria Math"/>
-                            </a:rPr>
-                            <m:t>𝜃</m:t>
-                          </m:r>
-                        </m:e>
-                        <m:sub>
-                          <m:r>
-                            <a:rPr lang="fr-FR" sz="1100" b="0" i="1" smtClean="0">
-                              <a:latin typeface="Cambria Math"/>
-                            </a:rPr>
-                            <m:t>2</m:t>
-                          </m:r>
-                        </m:sub>
-                      </m:sSub>
-                    </m:oMath>
-                  </m:oMathPara>
-                </a14:m>
-                <a:endParaRPr lang="fr-FR" sz="1100" dirty="0"/>
-              </a:p>
-            </p:txBody>
-          </p:sp>
-        </mc:Choice>
-        <mc:Fallback xmlns="">
-          <p:sp>
-            <p:nvSpPr>
-              <p:cNvPr id="54" name="ZoneTexte 53"/>
-              <p:cNvSpPr txBox="1">
-                <a:spLocks noRot="1" noChangeAspect="1" noMove="1" noResize="1" noEditPoints="1" noAdjustHandles="1" noChangeArrowheads="1" noChangeShapeType="1" noTextEdit="1"/>
-              </p:cNvSpPr>
-              <p:nvPr/>
-            </p:nvSpPr>
-            <p:spPr>
-              <a:xfrm>
-                <a:off x="2537707" y="1611293"/>
-                <a:ext cx="357084" cy="261610"/>
-              </a:xfrm>
-              <a:prstGeom prst="rect">
-                <a:avLst/>
-              </a:prstGeom>
-              <a:blipFill rotWithShape="1">
-                <a:blip r:embed="rId13"/>
-                <a:stretch>
-                  <a:fillRect/>
+                  <a:fillRect b="-6977"/>
                 </a:stretch>
               </a:blipFill>
             </p:spPr>
@@ -5412,18 +4873,13 @@
           <a:p>
             <a:pPr algn="ctr"/>
             <a:r>
-              <a:rPr lang="fr-FR" sz="1200" b="1" dirty="0" smtClean="0">
+              <a:rPr lang="fr-FR" sz="1200" b="1" dirty="0">
                 <a:solidFill>
                   <a:schemeClr val="tx1"/>
                 </a:solidFill>
               </a:rPr>
               <a:t>1</a:t>
             </a:r>
-            <a:endParaRPr lang="fr-FR" sz="1200" b="1" dirty="0">
-              <a:solidFill>
-                <a:schemeClr val="tx1"/>
-              </a:solidFill>
-            </a:endParaRPr>
           </a:p>
         </p:txBody>
       </p:sp>
@@ -5477,18 +4933,13 @@
           <a:p>
             <a:pPr algn="ctr"/>
             <a:r>
-              <a:rPr lang="fr-FR" sz="1200" b="1" dirty="0" smtClean="0">
+              <a:rPr lang="fr-FR" sz="1200" b="1" dirty="0">
                 <a:solidFill>
                   <a:schemeClr val="tx1"/>
                 </a:solidFill>
               </a:rPr>
               <a:t>2</a:t>
             </a:r>
-            <a:endParaRPr lang="fr-FR" sz="1200" b="1" dirty="0">
-              <a:solidFill>
-                <a:schemeClr val="tx1"/>
-              </a:solidFill>
-            </a:endParaRPr>
           </a:p>
         </p:txBody>
       </p:sp>
@@ -5542,18 +4993,13 @@
           <a:p>
             <a:pPr algn="ctr"/>
             <a:r>
-              <a:rPr lang="fr-FR" sz="1200" b="1" dirty="0" smtClean="0">
+              <a:rPr lang="fr-FR" sz="1200" b="1" dirty="0">
                 <a:solidFill>
                   <a:schemeClr val="tx1"/>
                 </a:solidFill>
               </a:rPr>
               <a:t>3</a:t>
             </a:r>
-            <a:endParaRPr lang="fr-FR" sz="1200" b="1" dirty="0">
-              <a:solidFill>
-                <a:schemeClr val="tx1"/>
-              </a:solidFill>
-            </a:endParaRPr>
           </a:p>
         </p:txBody>
       </p:sp>
@@ -5791,8 +5237,8 @@
           </a:fontRef>
         </p:style>
       </p:cxnSp>
-      <mc:AlternateContent xmlns:mc="http://schemas.openxmlformats.org/markup-compatibility/2006">
-        <mc:Choice xmlns:a14="http://schemas.microsoft.com/office/drawing/2010/main" Requires="a14">
+      <mc:AlternateContent xmlns:mc="http://schemas.openxmlformats.org/markup-compatibility/2006" xmlns:a14="http://schemas.microsoft.com/office/drawing/2010/main">
+        <mc:Choice Requires="a14">
           <p:sp>
             <p:nvSpPr>
               <p:cNvPr id="24" name="ZoneTexte 23"/>
@@ -5817,14 +5263,14 @@
               <a:p>
                 <a:pPr algn="ctr"/>
                 <a:r>
-                  <a:rPr lang="fr-FR" sz="1000" dirty="0" smtClean="0"/>
+                  <a:rPr lang="fr-FR" sz="1000" dirty="0"/>
                   <a:t>Glissière</a:t>
                 </a:r>
               </a:p>
               <a:p>
                 <a:pPr algn="ctr"/>
                 <a:r>
-                  <a:rPr lang="fr-FR" sz="1000" dirty="0" smtClean="0"/>
+                  <a:rPr lang="fr-FR" sz="1000" dirty="0"/>
                   <a:t>Direction </a:t>
                 </a:r>
                 <a14:m>
@@ -5873,7 +5319,7 @@
             </p:txBody>
           </p:sp>
         </mc:Choice>
-        <mc:Fallback>
+        <mc:Fallback xmlns="">
           <p:sp>
             <p:nvSpPr>
               <p:cNvPr id="24" name="ZoneTexte 23"/>
@@ -5912,8 +5358,8 @@
           </p:sp>
         </mc:Fallback>
       </mc:AlternateContent>
-      <mc:AlternateContent xmlns:mc="http://schemas.openxmlformats.org/markup-compatibility/2006">
-        <mc:Choice xmlns:a14="http://schemas.microsoft.com/office/drawing/2010/main" Requires="a14">
+      <mc:AlternateContent xmlns:mc="http://schemas.openxmlformats.org/markup-compatibility/2006" xmlns:a14="http://schemas.microsoft.com/office/drawing/2010/main">
+        <mc:Choice Requires="a14">
           <p:sp>
             <p:nvSpPr>
               <p:cNvPr id="25" name="ZoneTexte 24"/>
@@ -5938,7 +5384,7 @@
               <a:p>
                 <a:pPr algn="ctr"/>
                 <a:r>
-                  <a:rPr lang="fr-FR" sz="1000" dirty="0" smtClean="0"/>
+                  <a:rPr lang="fr-FR" sz="1000" dirty="0"/>
                   <a:t>Pivot</a:t>
                 </a:r>
               </a:p>
@@ -6018,7 +5464,7 @@
             </p:txBody>
           </p:sp>
         </mc:Choice>
-        <mc:Fallback>
+        <mc:Fallback xmlns="">
           <p:sp>
             <p:nvSpPr>
               <p:cNvPr id="25" name="ZoneTexte 24"/>
@@ -6057,8 +5503,8 @@
           </p:sp>
         </mc:Fallback>
       </mc:AlternateContent>
-      <mc:AlternateContent xmlns:mc="http://schemas.openxmlformats.org/markup-compatibility/2006">
-        <mc:Choice xmlns:a14="http://schemas.microsoft.com/office/drawing/2010/main" Requires="a14">
+      <mc:AlternateContent xmlns:mc="http://schemas.openxmlformats.org/markup-compatibility/2006" xmlns:a14="http://schemas.microsoft.com/office/drawing/2010/main">
+        <mc:Choice Requires="a14">
           <p:sp>
             <p:nvSpPr>
               <p:cNvPr id="26" name="ZoneTexte 25"/>
@@ -6083,7 +5529,7 @@
               <a:p>
                 <a:pPr algn="ctr"/>
                 <a:r>
-                  <a:rPr lang="fr-FR" sz="1000" dirty="0" smtClean="0"/>
+                  <a:rPr lang="fr-FR" sz="1000" dirty="0"/>
                   <a:t>Pivot</a:t>
                 </a:r>
               </a:p>
@@ -6163,7 +5609,7 @@
             </p:txBody>
           </p:sp>
         </mc:Choice>
-        <mc:Fallback>
+        <mc:Fallback xmlns="">
           <p:sp>
             <p:nvSpPr>
               <p:cNvPr id="26" name="ZoneTexte 25"/>
@@ -6202,8 +5648,8 @@
           </p:sp>
         </mc:Fallback>
       </mc:AlternateContent>
-      <mc:AlternateContent xmlns:mc="http://schemas.openxmlformats.org/markup-compatibility/2006">
-        <mc:Choice xmlns:a14="http://schemas.microsoft.com/office/drawing/2010/main" Requires="a14">
+      <mc:AlternateContent xmlns:mc="http://schemas.openxmlformats.org/markup-compatibility/2006" xmlns:a14="http://schemas.microsoft.com/office/drawing/2010/main">
+        <mc:Choice Requires="a14">
           <p:sp>
             <p:nvSpPr>
               <p:cNvPr id="28" name="ZoneTexte 27"/>
@@ -6228,7 +5674,7 @@
               <a:p>
                 <a:pPr algn="ctr"/>
                 <a:r>
-                  <a:rPr lang="fr-FR" sz="1000" dirty="0" smtClean="0"/>
+                  <a:rPr lang="fr-FR" sz="1000" dirty="0"/>
                   <a:t>Action du moteur</a:t>
                 </a:r>
               </a:p>
@@ -6357,7 +5803,7 @@
             </p:txBody>
           </p:sp>
         </mc:Choice>
-        <mc:Fallback>
+        <mc:Fallback xmlns="">
           <p:sp>
             <p:nvSpPr>
               <p:cNvPr id="28" name="ZoneTexte 27"/>
@@ -6471,10 +5917,9 @@
           <a:p>
             <a:pPr algn="ctr"/>
             <a:r>
-              <a:rPr lang="fr-FR" sz="1000" dirty="0" smtClean="0"/>
+              <a:rPr lang="fr-FR" sz="1000" dirty="0"/>
               <a:t>Pesanteur</a:t>
             </a:r>
-            <a:endParaRPr lang="fr-FR" sz="1000" dirty="0"/>
           </a:p>
         </p:txBody>
       </p:sp>
